--- a/Design Projects.pptx
+++ b/Design Projects.pptx
@@ -2,7 +2,7 @@
 <file path=ppt/presentation.xml><?xml version="1.0" encoding="utf-8"?>
 <p:presentation xmlns:a="http://schemas.openxmlformats.org/drawingml/2006/main" xmlns:r="http://schemas.openxmlformats.org/officeDocument/2006/relationships" xmlns:p="http://schemas.openxmlformats.org/presentationml/2006/main" embedTrueTypeFonts="1" saveSubsetFonts="1">
   <p:sldMasterIdLst>
-    <p:sldMasterId id="2147483870" r:id="rId1"/>
+    <p:sldMasterId id="2147483877" r:id="rId1"/>
   </p:sldMasterIdLst>
   <p:notesMasterIdLst>
     <p:notesMasterId r:id="rId26"/>
@@ -36,19 +36,15 @@
     <p:sldId id="269" r:id="rId24"/>
     <p:sldId id="270" r:id="rId25"/>
   </p:sldIdLst>
-  <p:sldSz cx="9144000" cy="6858000" type="screen4x3"/>
+  <p:sldSz cx="12192000" cy="6858000"/>
   <p:notesSz cx="6858000" cy="9296400"/>
   <p:embeddedFontLst>
     <p:embeddedFont>
-      <p:font typeface="SimHei" panose="020B0604020202020204" charset="-122"/>
+      <p:font typeface="Candara" panose="020E0502030303020204" pitchFamily="34" charset="0"/>
       <p:regular r:id="rId28"/>
-    </p:embeddedFont>
-    <p:embeddedFont>
-      <p:font typeface="Candara" panose="020E0502030303020204" pitchFamily="34" charset="0"/>
-      <p:regular r:id="rId29"/>
-      <p:bold r:id="rId30"/>
-      <p:italic r:id="rId31"/>
-      <p:boldItalic r:id="rId32"/>
+      <p:bold r:id="rId29"/>
+      <p:italic r:id="rId30"/>
+      <p:boldItalic r:id="rId31"/>
     </p:embeddedFont>
   </p:embeddedFontLst>
   <p:defaultTextStyle>
@@ -619,35 +615,35 @@
           <a:p>
             <a:pPr lvl="0"/>
             <a:r>
-              <a:rPr lang="en-US" smtClean="0"/>
+              <a:rPr lang="en-US"/>
               <a:t>Click to edit Master text styles</a:t>
             </a:r>
           </a:p>
           <a:p>
             <a:pPr lvl="1"/>
             <a:r>
-              <a:rPr lang="en-US" smtClean="0"/>
+              <a:rPr lang="en-US"/>
               <a:t>Second level</a:t>
             </a:r>
           </a:p>
           <a:p>
             <a:pPr lvl="2"/>
             <a:r>
-              <a:rPr lang="en-US" smtClean="0"/>
+              <a:rPr lang="en-US"/>
               <a:t>Third level</a:t>
             </a:r>
           </a:p>
           <a:p>
             <a:pPr lvl="3"/>
             <a:r>
-              <a:rPr lang="en-US" smtClean="0"/>
+              <a:rPr lang="en-US"/>
               <a:t>Fourth level</a:t>
             </a:r>
           </a:p>
           <a:p>
             <a:pPr lvl="4"/>
             <a:r>
-              <a:rPr lang="en-US" smtClean="0"/>
+              <a:rPr lang="en-US"/>
               <a:t>Fifth level</a:t>
             </a:r>
           </a:p>
@@ -861,7 +857,12 @@
             <p:ph type="sldImg"/>
           </p:nvPr>
         </p:nvSpPr>
-        <p:spPr/>
+        <p:spPr>
+          <a:xfrm>
+            <a:off x="331788" y="698500"/>
+            <a:ext cx="6197600" cy="3486150"/>
+          </a:xfrm>
+        </p:spPr>
       </p:sp>
       <p:sp>
         <p:nvSpPr>
@@ -954,7 +955,12 @@
             <p:ph type="sldImg"/>
           </p:nvPr>
         </p:nvSpPr>
-        <p:spPr/>
+        <p:spPr>
+          <a:xfrm>
+            <a:off x="331788" y="698500"/>
+            <a:ext cx="6197600" cy="3486150"/>
+          </a:xfrm>
+        </p:spPr>
       </p:sp>
       <p:sp>
         <p:nvSpPr>
@@ -1047,7 +1053,12 @@
             <p:ph type="sldImg"/>
           </p:nvPr>
         </p:nvSpPr>
-        <p:spPr/>
+        <p:spPr>
+          <a:xfrm>
+            <a:off x="331788" y="698500"/>
+            <a:ext cx="6197600" cy="3486150"/>
+          </a:xfrm>
+        </p:spPr>
       </p:sp>
       <p:sp>
         <p:nvSpPr>
@@ -1082,7 +1093,7 @@
               <a:defRPr/>
             </a:pPr>
             <a:r>
-              <a:rPr lang="en-US" sz="1200" kern="1200" dirty="0" smtClean="0">
+              <a:rPr lang="en-US" sz="1200" kern="1200" dirty="0">
                 <a:solidFill>
                   <a:schemeClr val="tx1"/>
                 </a:solidFill>
@@ -1094,7 +1105,7 @@
               <a:t>When all else fails, do not hesitate to apply extreme conditions; it may be a mistake to ease into the problem. Many years ago it was believed that molds grew best when cultured as a floating pad of mycelium in a pool of nutrient solution. It was common wisdom that poking at the pad or disturbing it too much interfered with good growth. Then in 1933 </a:t>
             </a:r>
             <a:r>
-              <a:rPr lang="en-US" sz="1200" kern="1200" dirty="0" err="1" smtClean="0">
+              <a:rPr lang="en-US" sz="1200" kern="1200" dirty="0" err="1">
                 <a:solidFill>
                   <a:schemeClr val="tx1"/>
                 </a:solidFill>
@@ -1106,7 +1117,7 @@
               <a:t>Perquin</a:t>
             </a:r>
             <a:r>
-              <a:rPr lang="en-US" sz="1200" kern="1200" dirty="0" smtClean="0">
+              <a:rPr lang="en-US" sz="1200" kern="1200" dirty="0">
                 <a:solidFill>
                   <a:schemeClr val="tx1"/>
                 </a:solidFill>
@@ -1118,7 +1129,7 @@
               <a:t> and </a:t>
             </a:r>
             <a:r>
-              <a:rPr lang="en-US" sz="1200" kern="1200" dirty="0" err="1" smtClean="0">
+              <a:rPr lang="en-US" sz="1200" kern="1200" dirty="0" err="1">
                 <a:solidFill>
                   <a:schemeClr val="tx1"/>
                 </a:solidFill>
@@ -1130,7 +1141,7 @@
               <a:t>Kluyver</a:t>
             </a:r>
             <a:r>
-              <a:rPr lang="en-US" sz="1200" kern="1200" dirty="0" smtClean="0">
+              <a:rPr lang="en-US" sz="1200" kern="1200" dirty="0">
                 <a:solidFill>
                   <a:schemeClr val="tx1"/>
                 </a:solidFill>
@@ -1144,7 +1155,7 @@
           </a:p>
           <a:p>
             <a:r>
-              <a:rPr lang="en-US" sz="1200" b="0" i="0" kern="1200" dirty="0" smtClean="0">
+              <a:rPr lang="en-US" sz="1200" b="0" i="0" kern="1200" dirty="0">
                 <a:solidFill>
                   <a:schemeClr val="tx1"/>
                 </a:solidFill>
@@ -1174,7 +1185,7 @@
               <a:tabLst/>
               <a:defRPr/>
             </a:pPr>
-            <a:endParaRPr lang="en-US" sz="1200" kern="1200" dirty="0" smtClean="0">
+            <a:endParaRPr lang="en-US" sz="1200" kern="1200" dirty="0">
               <a:solidFill>
                 <a:schemeClr val="tx1"/>
               </a:solidFill>
@@ -1203,7 +1214,7 @@
               <a:defRPr/>
             </a:pPr>
             <a:r>
-              <a:rPr lang="en-US" sz="1200" kern="1200" dirty="0" smtClean="0">
+              <a:rPr lang="en-US" sz="1200" kern="1200" dirty="0">
                 <a:solidFill>
                   <a:schemeClr val="tx1"/>
                 </a:solidFill>
@@ -1292,7 +1303,12 @@
             <p:ph type="sldImg"/>
           </p:nvPr>
         </p:nvSpPr>
-        <p:spPr/>
+        <p:spPr>
+          <a:xfrm>
+            <a:off x="331788" y="698500"/>
+            <a:ext cx="6197600" cy="3486150"/>
+          </a:xfrm>
+        </p:spPr>
       </p:sp>
       <p:sp>
         <p:nvSpPr>
@@ -1382,7 +1398,12 @@
             <p:ph type="sldImg"/>
           </p:nvPr>
         </p:nvSpPr>
-        <p:spPr/>
+        <p:spPr>
+          <a:xfrm>
+            <a:off x="331788" y="698500"/>
+            <a:ext cx="6197600" cy="3486150"/>
+          </a:xfrm>
+        </p:spPr>
       </p:sp>
       <p:sp>
         <p:nvSpPr>
@@ -1400,48 +1421,48 @@
           <a:lstStyle/>
           <a:p>
             <a:r>
-              <a:rPr lang="en-US" dirty="0" smtClean="0"/>
+              <a:rPr lang="en-US" dirty="0"/>
               <a:t>Assemble a team!</a:t>
             </a:r>
           </a:p>
           <a:p>
             <a:r>
-              <a:rPr lang="en-US" dirty="0" smtClean="0"/>
+              <a:rPr lang="en-US" dirty="0"/>
               <a:t>Humility</a:t>
             </a:r>
             <a:r>
-              <a:rPr lang="en-US" baseline="0" dirty="0" smtClean="0"/>
+              <a:rPr lang="en-US" baseline="0" dirty="0"/>
               <a:t> to acknowledge what you don’t know</a:t>
             </a:r>
           </a:p>
           <a:p>
             <a:r>
-              <a:rPr lang="en-US" baseline="0" dirty="0" smtClean="0"/>
+              <a:rPr lang="en-US" baseline="0" dirty="0"/>
               <a:t>Push the edge</a:t>
             </a:r>
-            <a:endParaRPr lang="en-US" dirty="0" smtClean="0"/>
-          </a:p>
-          <a:p>
-            <a:r>
-              <a:rPr lang="en-US" dirty="0" smtClean="0"/>
+            <a:endParaRPr lang="en-US" dirty="0"/>
+          </a:p>
+          <a:p>
+            <a:r>
+              <a:rPr lang="en-US" dirty="0"/>
               <a:t>Immerse yourself in the context of the problem</a:t>
             </a:r>
           </a:p>
           <a:p>
             <a:r>
-              <a:rPr lang="en-US" dirty="0" smtClean="0"/>
+              <a:rPr lang="en-US" dirty="0"/>
               <a:t>Learn the state of the art theories, but don’t assume they are all correct</a:t>
             </a:r>
           </a:p>
           <a:p>
             <a:r>
-              <a:rPr lang="en-US" dirty="0" smtClean="0"/>
+              <a:rPr lang="en-US" dirty="0"/>
               <a:t>Identify the constraints that are preventing advance in an attribute that is important, then break the rules</a:t>
             </a:r>
           </a:p>
           <a:p>
             <a:r>
-              <a:rPr lang="en-US" dirty="0" smtClean="0"/>
+              <a:rPr lang="en-US" dirty="0"/>
               <a:t>Beware of places where authors say “it is well known that….” or “standard practice for many years has been…”</a:t>
             </a:r>
           </a:p>
@@ -1522,7 +1543,12 @@
             <p:ph type="sldImg"/>
           </p:nvPr>
         </p:nvSpPr>
-        <p:spPr/>
+        <p:spPr>
+          <a:xfrm>
+            <a:off x="331788" y="698500"/>
+            <a:ext cx="6197600" cy="3486150"/>
+          </a:xfrm>
+        </p:spPr>
       </p:sp>
       <p:sp>
         <p:nvSpPr>
@@ -1540,10 +1566,9 @@
           <a:lstStyle/>
           <a:p>
             <a:r>
-              <a:rPr lang="en-US" dirty="0" smtClean="0"/>
+              <a:rPr lang="en-US" dirty="0"/>
               <a:t>(levers or pulleys)</a:t>
             </a:r>
-            <a:endParaRPr lang="en-US" dirty="0"/>
           </a:p>
         </p:txBody>
       </p:sp>
@@ -1622,7 +1647,7 @@
         <p:spPr>
           <a:xfrm>
             <a:off x="3352800" y="5029200"/>
-            <a:ext cx="3962400" cy="1143000"/>
+            <a:ext cx="7370618" cy="1143000"/>
           </a:xfrm>
         </p:spPr>
         <p:txBody>
@@ -1636,10 +1661,10 @@
           </a:lstStyle>
           <a:p>
             <a:r>
-              <a:rPr lang="en-US" smtClean="0"/>
+              <a:rPr lang="en-US"/>
               <a:t>Click to edit Master subtitle style</a:t>
             </a:r>
-            <a:endParaRPr lang="es-HN"/>
+            <a:endParaRPr lang="es-HN" dirty="0"/>
           </a:p>
         </p:txBody>
       </p:sp>
@@ -1736,7 +1761,7 @@
         <p:spPr>
           <a:xfrm>
             <a:off x="1371600" y="990600"/>
-            <a:ext cx="7772400" cy="1470025"/>
+            <a:ext cx="9351818" cy="1470025"/>
           </a:xfrm>
           <a:ln w="9525"/>
         </p:spPr>
@@ -1749,14 +1774,18 @@
           </a:lstStyle>
           <a:p>
             <a:r>
-              <a:rPr lang="en-US" smtClean="0"/>
+              <a:rPr lang="en-US"/>
               <a:t>Click to edit Master title style</a:t>
             </a:r>
-            <a:endParaRPr lang="en-US"/>
           </a:p>
         </p:txBody>
       </p:sp>
     </p:spTree>
+    <p:extLst>
+      <p:ext uri="{BB962C8B-B14F-4D97-AF65-F5344CB8AC3E}">
+        <p14:creationId xmlns:p14="http://schemas.microsoft.com/office/powerpoint/2010/main" val="1136451327"/>
+      </p:ext>
+    </p:extLst>
   </p:cSld>
   <p:clrMapOvr>
     <a:masterClrMapping/>
@@ -1764,13 +1793,6 @@
   <p:transition>
     <p:fade/>
   </p:transition>
-  <p:timing>
-    <p:tnLst>
-      <p:par>
-        <p:cTn id="1" dur="indefinite" restart="never" nodeType="tmRoot"/>
-      </p:par>
-    </p:tnLst>
-  </p:timing>
 </p:sldLayout>
 </file>
 
@@ -1807,10 +1829,9 @@
           <a:lstStyle/>
           <a:p>
             <a:r>
-              <a:rPr lang="en-US" smtClean="0"/>
+              <a:rPr lang="en-US"/>
               <a:t>Click to edit Master title style</a:t>
             </a:r>
-            <a:endParaRPr lang="en-US"/>
           </a:p>
         </p:txBody>
       </p:sp>
@@ -1831,38 +1852,37 @@
           <a:p>
             <a:pPr lvl="0"/>
             <a:r>
-              <a:rPr lang="en-US" smtClean="0"/>
+              <a:rPr lang="en-US"/>
               <a:t>Click to edit Master text styles</a:t>
             </a:r>
           </a:p>
           <a:p>
             <a:pPr lvl="1"/>
             <a:r>
-              <a:rPr lang="en-US" smtClean="0"/>
+              <a:rPr lang="en-US"/>
               <a:t>Second level</a:t>
             </a:r>
           </a:p>
           <a:p>
             <a:pPr lvl="2"/>
             <a:r>
-              <a:rPr lang="en-US" smtClean="0"/>
+              <a:rPr lang="en-US"/>
               <a:t>Third level</a:t>
             </a:r>
           </a:p>
           <a:p>
             <a:pPr lvl="3"/>
             <a:r>
-              <a:rPr lang="en-US" smtClean="0"/>
+              <a:rPr lang="en-US"/>
               <a:t>Fourth level</a:t>
             </a:r>
           </a:p>
           <a:p>
             <a:pPr lvl="4"/>
             <a:r>
-              <a:rPr lang="en-US" smtClean="0"/>
+              <a:rPr lang="en-US"/>
               <a:t>Fifth level</a:t>
             </a:r>
-            <a:endParaRPr lang="en-US"/>
           </a:p>
         </p:txBody>
       </p:sp>
@@ -1941,6 +1961,11 @@
         </p:txBody>
       </p:sp>
     </p:spTree>
+    <p:extLst>
+      <p:ext uri="{BB962C8B-B14F-4D97-AF65-F5344CB8AC3E}">
+        <p14:creationId xmlns:p14="http://schemas.microsoft.com/office/powerpoint/2010/main" val="1822276398"/>
+      </p:ext>
+    </p:extLst>
   </p:cSld>
   <p:clrMapOvr>
     <a:masterClrMapping/>
@@ -1948,13 +1973,6 @@
   <p:transition>
     <p:fade/>
   </p:transition>
-  <p:timing>
-    <p:tnLst>
-      <p:par>
-        <p:cTn id="1" dur="indefinite" restart="never" nodeType="tmRoot"/>
-      </p:par>
-    </p:tnLst>
-  </p:timing>
 </p:sldLayout>
 </file>
 
@@ -1991,10 +2009,9 @@
           <a:lstStyle/>
           <a:p>
             <a:r>
-              <a:rPr lang="en-US" smtClean="0"/>
+              <a:rPr lang="en-US"/>
               <a:t>Click to edit Master title style</a:t>
             </a:r>
-            <a:endParaRPr lang="en-US"/>
           </a:p>
         </p:txBody>
       </p:sp>
@@ -2011,7 +2028,7 @@
         <p:spPr>
           <a:xfrm>
             <a:off x="457200" y="1600200"/>
-            <a:ext cx="4038600" cy="4525963"/>
+            <a:ext cx="5417128" cy="4525963"/>
           </a:xfrm>
         </p:spPr>
         <p:txBody>
@@ -2048,38 +2065,37 @@
           <a:p>
             <a:pPr lvl="0"/>
             <a:r>
-              <a:rPr lang="en-US" smtClean="0"/>
+              <a:rPr lang="en-US"/>
               <a:t>Click to edit Master text styles</a:t>
             </a:r>
           </a:p>
           <a:p>
             <a:pPr lvl="1"/>
             <a:r>
-              <a:rPr lang="en-US" smtClean="0"/>
+              <a:rPr lang="en-US"/>
               <a:t>Second level</a:t>
             </a:r>
           </a:p>
           <a:p>
             <a:pPr lvl="2"/>
             <a:r>
-              <a:rPr lang="en-US" smtClean="0"/>
+              <a:rPr lang="en-US"/>
               <a:t>Third level</a:t>
             </a:r>
           </a:p>
           <a:p>
             <a:pPr lvl="3"/>
             <a:r>
-              <a:rPr lang="en-US" smtClean="0"/>
+              <a:rPr lang="en-US"/>
               <a:t>Fourth level</a:t>
             </a:r>
           </a:p>
           <a:p>
             <a:pPr lvl="4"/>
             <a:r>
-              <a:rPr lang="en-US" smtClean="0"/>
+              <a:rPr lang="en-US"/>
               <a:t>Fifth level</a:t>
             </a:r>
-            <a:endParaRPr lang="en-US"/>
           </a:p>
         </p:txBody>
       </p:sp>
@@ -2095,8 +2111,8 @@
         </p:nvSpPr>
         <p:spPr>
           <a:xfrm>
-            <a:off x="4648200" y="1600200"/>
-            <a:ext cx="4038600" cy="4525963"/>
+            <a:off x="6352318" y="1600200"/>
+            <a:ext cx="5417128" cy="4525963"/>
           </a:xfrm>
         </p:spPr>
         <p:txBody>
@@ -2133,38 +2149,38 @@
           <a:p>
             <a:pPr lvl="0"/>
             <a:r>
-              <a:rPr lang="en-US" smtClean="0"/>
+              <a:rPr lang="en-US"/>
               <a:t>Click to edit Master text styles</a:t>
             </a:r>
           </a:p>
           <a:p>
             <a:pPr lvl="1"/>
             <a:r>
-              <a:rPr lang="en-US" smtClean="0"/>
+              <a:rPr lang="en-US"/>
               <a:t>Second level</a:t>
             </a:r>
           </a:p>
           <a:p>
             <a:pPr lvl="2"/>
             <a:r>
-              <a:rPr lang="en-US" smtClean="0"/>
+              <a:rPr lang="en-US"/>
               <a:t>Third level</a:t>
             </a:r>
           </a:p>
           <a:p>
             <a:pPr lvl="3"/>
             <a:r>
-              <a:rPr lang="en-US" smtClean="0"/>
+              <a:rPr lang="en-US"/>
               <a:t>Fourth level</a:t>
             </a:r>
           </a:p>
           <a:p>
             <a:pPr lvl="4"/>
             <a:r>
-              <a:rPr lang="en-US" smtClean="0"/>
+              <a:rPr lang="en-US"/>
               <a:t>Fifth level</a:t>
             </a:r>
-            <a:endParaRPr lang="en-US"/>
+            <a:endParaRPr lang="en-US" dirty="0"/>
           </a:p>
         </p:txBody>
       </p:sp>
@@ -2243,6 +2259,11 @@
         </p:txBody>
       </p:sp>
     </p:spTree>
+    <p:extLst>
+      <p:ext uri="{BB962C8B-B14F-4D97-AF65-F5344CB8AC3E}">
+        <p14:creationId xmlns:p14="http://schemas.microsoft.com/office/powerpoint/2010/main" val="69161374"/>
+      </p:ext>
+    </p:extLst>
   </p:cSld>
   <p:clrMapOvr>
     <a:masterClrMapping/>
@@ -2250,13 +2271,6 @@
   <p:transition>
     <p:fade/>
   </p:transition>
-  <p:timing>
-    <p:tnLst>
-      <p:par>
-        <p:cTn id="1" dur="indefinite" restart="never" nodeType="tmRoot"/>
-      </p:par>
-    </p:tnLst>
-  </p:timing>
 </p:sldLayout>
 </file>
 
@@ -2290,7 +2304,7 @@
         <p:spPr>
           <a:xfrm>
             <a:off x="457200" y="274638"/>
-            <a:ext cx="8229600" cy="1143000"/>
+            <a:ext cx="11305308" cy="1143000"/>
           </a:xfrm>
         </p:spPr>
         <p:txBody>
@@ -2302,10 +2316,9 @@
           </a:lstStyle>
           <a:p>
             <a:r>
-              <a:rPr lang="en-US" smtClean="0"/>
+              <a:rPr lang="en-US"/>
               <a:t>Click to edit Master title style</a:t>
             </a:r>
-            <a:endParaRPr lang="en-US"/>
           </a:p>
         </p:txBody>
       </p:sp>
@@ -2321,8 +2334,8 @@
         </p:nvSpPr>
         <p:spPr>
           <a:xfrm>
-            <a:off x="457200" y="1535113"/>
-            <a:ext cx="4040188" cy="639762"/>
+            <a:off x="457199" y="1535113"/>
+            <a:ext cx="5550157" cy="639762"/>
           </a:xfrm>
         </p:spPr>
         <p:txBody>
@@ -2368,7 +2381,7 @@
           <a:p>
             <a:pPr lvl="0"/>
             <a:r>
-              <a:rPr lang="en-US" smtClean="0"/>
+              <a:rPr lang="en-US"/>
               <a:t>Click to edit Master text styles</a:t>
             </a:r>
           </a:p>
@@ -2386,8 +2399,8 @@
         </p:nvSpPr>
         <p:spPr>
           <a:xfrm>
-            <a:off x="457200" y="2174875"/>
-            <a:ext cx="4040188" cy="3951288"/>
+            <a:off x="457199" y="2174875"/>
+            <a:ext cx="5550157" cy="3951288"/>
           </a:xfrm>
         </p:spPr>
         <p:txBody>
@@ -2424,38 +2437,37 @@
           <a:p>
             <a:pPr lvl="0"/>
             <a:r>
-              <a:rPr lang="en-US" smtClean="0"/>
+              <a:rPr lang="en-US"/>
               <a:t>Click to edit Master text styles</a:t>
             </a:r>
           </a:p>
           <a:p>
             <a:pPr lvl="1"/>
             <a:r>
-              <a:rPr lang="en-US" smtClean="0"/>
+              <a:rPr lang="en-US"/>
               <a:t>Second level</a:t>
             </a:r>
           </a:p>
           <a:p>
             <a:pPr lvl="2"/>
             <a:r>
-              <a:rPr lang="en-US" smtClean="0"/>
+              <a:rPr lang="en-US"/>
               <a:t>Third level</a:t>
             </a:r>
           </a:p>
           <a:p>
             <a:pPr lvl="3"/>
             <a:r>
-              <a:rPr lang="en-US" smtClean="0"/>
+              <a:rPr lang="en-US"/>
               <a:t>Fourth level</a:t>
             </a:r>
           </a:p>
           <a:p>
             <a:pPr lvl="4"/>
             <a:r>
-              <a:rPr lang="en-US" smtClean="0"/>
+              <a:rPr lang="en-US"/>
               <a:t>Fifth level</a:t>
             </a:r>
-            <a:endParaRPr lang="en-US"/>
           </a:p>
         </p:txBody>
       </p:sp>
@@ -2471,8 +2483,8 @@
         </p:nvSpPr>
         <p:spPr>
           <a:xfrm>
-            <a:off x="4645025" y="1535113"/>
-            <a:ext cx="4041775" cy="639762"/>
+            <a:off x="6224438" y="1535113"/>
+            <a:ext cx="5552337" cy="639762"/>
           </a:xfrm>
         </p:spPr>
         <p:txBody>
@@ -2518,7 +2530,7 @@
           <a:p>
             <a:pPr lvl="0"/>
             <a:r>
-              <a:rPr lang="en-US" smtClean="0"/>
+              <a:rPr lang="en-US"/>
               <a:t>Click to edit Master text styles</a:t>
             </a:r>
           </a:p>
@@ -2536,8 +2548,8 @@
         </p:nvSpPr>
         <p:spPr>
           <a:xfrm>
-            <a:off x="4645025" y="2174875"/>
-            <a:ext cx="4041775" cy="3951288"/>
+            <a:off x="6224438" y="2174875"/>
+            <a:ext cx="5552337" cy="3951288"/>
           </a:xfrm>
         </p:spPr>
         <p:txBody>
@@ -2574,38 +2586,37 @@
           <a:p>
             <a:pPr lvl="0"/>
             <a:r>
-              <a:rPr lang="en-US" smtClean="0"/>
+              <a:rPr lang="en-US"/>
               <a:t>Click to edit Master text styles</a:t>
             </a:r>
           </a:p>
           <a:p>
             <a:pPr lvl="1"/>
             <a:r>
-              <a:rPr lang="en-US" smtClean="0"/>
+              <a:rPr lang="en-US"/>
               <a:t>Second level</a:t>
             </a:r>
           </a:p>
           <a:p>
             <a:pPr lvl="2"/>
             <a:r>
-              <a:rPr lang="en-US" smtClean="0"/>
+              <a:rPr lang="en-US"/>
               <a:t>Third level</a:t>
             </a:r>
           </a:p>
           <a:p>
             <a:pPr lvl="3"/>
             <a:r>
-              <a:rPr lang="en-US" smtClean="0"/>
+              <a:rPr lang="en-US"/>
               <a:t>Fourth level</a:t>
             </a:r>
           </a:p>
           <a:p>
             <a:pPr lvl="4"/>
             <a:r>
-              <a:rPr lang="en-US" smtClean="0"/>
+              <a:rPr lang="en-US"/>
               <a:t>Fifth level</a:t>
             </a:r>
-            <a:endParaRPr lang="en-US"/>
           </a:p>
         </p:txBody>
       </p:sp>
@@ -2684,6 +2695,11 @@
         </p:txBody>
       </p:sp>
     </p:spTree>
+    <p:extLst>
+      <p:ext uri="{BB962C8B-B14F-4D97-AF65-F5344CB8AC3E}">
+        <p14:creationId xmlns:p14="http://schemas.microsoft.com/office/powerpoint/2010/main" val="1945593837"/>
+      </p:ext>
+    </p:extLst>
   </p:cSld>
   <p:clrMapOvr>
     <a:masterClrMapping/>
@@ -2727,10 +2743,9 @@
           <a:lstStyle/>
           <a:p>
             <a:r>
-              <a:rPr lang="en-US" smtClean="0"/>
+              <a:rPr lang="en-US"/>
               <a:t>Click to edit Master title style</a:t>
             </a:r>
-            <a:endParaRPr lang="en-US"/>
           </a:p>
         </p:txBody>
       </p:sp>
@@ -2809,6 +2824,11 @@
         </p:txBody>
       </p:sp>
     </p:spTree>
+    <p:extLst>
+      <p:ext uri="{BB962C8B-B14F-4D97-AF65-F5344CB8AC3E}">
+        <p14:creationId xmlns:p14="http://schemas.microsoft.com/office/powerpoint/2010/main" val="800310701"/>
+      </p:ext>
+    </p:extLst>
   </p:cSld>
   <p:clrMapOvr>
     <a:masterClrMapping/>
@@ -2911,6 +2931,11 @@
         </p:txBody>
       </p:sp>
     </p:spTree>
+    <p:extLst>
+      <p:ext uri="{BB962C8B-B14F-4D97-AF65-F5344CB8AC3E}">
+        <p14:creationId xmlns:p14="http://schemas.microsoft.com/office/powerpoint/2010/main" val="4191896298"/>
+      </p:ext>
+    </p:extLst>
   </p:cSld>
   <p:clrMapOvr>
     <a:masterClrMapping/>
@@ -2958,8 +2983,8 @@
         </p:nvSpPr>
         <p:spPr bwMode="auto">
           <a:xfrm>
-            <a:off x="457200" y="228600"/>
-            <a:ext cx="8458200" cy="1143000"/>
+            <a:off x="457199" y="228600"/>
+            <a:ext cx="11305309" cy="1143000"/>
           </a:xfrm>
           <a:prstGeom prst="rect">
             <a:avLst/>
@@ -2983,10 +3008,10 @@
           <a:p>
             <a:pPr lvl="0"/>
             <a:r>
-              <a:rPr lang="en-US" smtClean="0"/>
+              <a:rPr lang="en-US"/>
               <a:t>Click to edit Master title style</a:t>
             </a:r>
-            <a:endParaRPr lang="en-US" dirty="0" smtClean="0"/>
+            <a:endParaRPr lang="en-US" dirty="0"/>
           </a:p>
         </p:txBody>
       </p:sp>
@@ -3003,7 +3028,7 @@
         <p:spPr bwMode="auto">
           <a:xfrm>
             <a:off x="457200" y="1600200"/>
-            <a:ext cx="8229600" cy="4525963"/>
+            <a:ext cx="11305308" cy="4525963"/>
           </a:xfrm>
           <a:prstGeom prst="rect">
             <a:avLst/>
@@ -3027,38 +3052,38 @@
           <a:p>
             <a:pPr lvl="0"/>
             <a:r>
-              <a:rPr lang="en-US" smtClean="0"/>
+              <a:rPr lang="en-US"/>
               <a:t>Click to edit Master text styles</a:t>
             </a:r>
           </a:p>
           <a:p>
             <a:pPr lvl="1"/>
             <a:r>
-              <a:rPr lang="en-US" smtClean="0"/>
+              <a:rPr lang="en-US"/>
               <a:t>Second level</a:t>
             </a:r>
           </a:p>
           <a:p>
             <a:pPr lvl="2"/>
             <a:r>
-              <a:rPr lang="en-US" smtClean="0"/>
+              <a:rPr lang="en-US"/>
               <a:t>Third level</a:t>
             </a:r>
           </a:p>
           <a:p>
             <a:pPr lvl="3"/>
             <a:r>
-              <a:rPr lang="en-US" smtClean="0"/>
+              <a:rPr lang="en-US"/>
               <a:t>Fourth level</a:t>
             </a:r>
           </a:p>
           <a:p>
             <a:pPr lvl="4"/>
             <a:r>
-              <a:rPr lang="en-US" smtClean="0"/>
+              <a:rPr lang="en-US"/>
               <a:t>Fifth level</a:t>
             </a:r>
-            <a:endParaRPr lang="en-US" dirty="0" smtClean="0"/>
+            <a:endParaRPr lang="en-US" dirty="0"/>
           </a:p>
         </p:txBody>
       </p:sp>
@@ -3074,7 +3099,7 @@
         </p:nvSpPr>
         <p:spPr bwMode="auto">
           <a:xfrm>
-            <a:off x="457200" y="6245225"/>
+            <a:off x="457200" y="6267233"/>
             <a:ext cx="2133600" cy="476250"/>
           </a:xfrm>
           <a:prstGeom prst="rect">
@@ -3119,7 +3144,7 @@
         </p:nvSpPr>
         <p:spPr bwMode="auto">
           <a:xfrm>
-            <a:off x="3124200" y="6245225"/>
+            <a:off x="4648200" y="6267233"/>
             <a:ext cx="2895600" cy="476250"/>
           </a:xfrm>
           <a:prstGeom prst="rect">
@@ -3164,7 +3189,7 @@
         </p:nvSpPr>
         <p:spPr bwMode="auto">
           <a:xfrm>
-            <a:off x="6553200" y="6245225"/>
+            <a:off x="9628908" y="6267233"/>
             <a:ext cx="2133600" cy="476250"/>
           </a:xfrm>
           <a:prstGeom prst="rect">
@@ -3213,7 +3238,7 @@
         <p:spPr bwMode="auto">
           <a:xfrm>
             <a:off x="0" y="1447800"/>
-            <a:ext cx="9144000" cy="0"/>
+            <a:ext cx="12192000" cy="0"/>
           </a:xfrm>
           <a:prstGeom prst="line">
             <a:avLst/>
@@ -3244,75 +3269,25 @@
           </a:p>
         </p:txBody>
       </p:sp>
-      <p:sp>
-        <p:nvSpPr>
-          <p:cNvPr id="8" name="Action Button: Home 7">
-            <a:hlinkClick r:id="" action="ppaction://hlinkshowjump?jump=firstslide" highlightClick="1"/>
-          </p:cNvPr>
-          <p:cNvSpPr/>
-          <p:nvPr userDrawn="1"/>
-        </p:nvSpPr>
-        <p:spPr>
-          <a:xfrm>
-            <a:off x="0" y="0"/>
-            <a:ext cx="621102" cy="759125"/>
-          </a:xfrm>
-          <a:prstGeom prst="actionButtonHome">
-            <a:avLst/>
-          </a:prstGeom>
-          <a:solidFill>
-            <a:schemeClr val="accent1">
-              <a:lumMod val="20000"/>
-              <a:lumOff val="80000"/>
-            </a:schemeClr>
-          </a:solidFill>
-        </p:spPr>
-        <p:style>
-          <a:lnRef idx="2">
-            <a:schemeClr val="accent1">
-              <a:shade val="50000"/>
-            </a:schemeClr>
-          </a:lnRef>
-          <a:fillRef idx="1">
-            <a:schemeClr val="accent1"/>
-          </a:fillRef>
-          <a:effectRef idx="0">
-            <a:schemeClr val="accent1"/>
-          </a:effectRef>
-          <a:fontRef idx="minor">
-            <a:schemeClr val="lt1"/>
-          </a:fontRef>
-        </p:style>
-        <p:txBody>
-          <a:bodyPr rtlCol="0" anchor="ctr"/>
-          <a:lstStyle/>
-          <a:p>
-            <a:pPr algn="ctr"/>
-            <a:endParaRPr lang="en-US"/>
-          </a:p>
-        </p:txBody>
-      </p:sp>
     </p:spTree>
+    <p:extLst>
+      <p:ext uri="{BB962C8B-B14F-4D97-AF65-F5344CB8AC3E}">
+        <p14:creationId xmlns:p14="http://schemas.microsoft.com/office/powerpoint/2010/main" val="1638881988"/>
+      </p:ext>
+    </p:extLst>
   </p:cSld>
   <p:clrMap bg1="lt1" tx1="dk1" bg2="lt2" tx2="dk2" accent1="accent1" accent2="accent2" accent3="accent3" accent4="accent4" accent5="accent5" accent6="accent6" hlink="hlink" folHlink="folHlink"/>
   <p:sldLayoutIdLst>
-    <p:sldLayoutId id="2147483871" r:id="rId1"/>
-    <p:sldLayoutId id="2147483872" r:id="rId2"/>
-    <p:sldLayoutId id="2147483873" r:id="rId3"/>
-    <p:sldLayoutId id="2147483874" r:id="rId4"/>
-    <p:sldLayoutId id="2147483875" r:id="rId5"/>
-    <p:sldLayoutId id="2147483876" r:id="rId6"/>
+    <p:sldLayoutId id="2147483878" r:id="rId1"/>
+    <p:sldLayoutId id="2147483879" r:id="rId2"/>
+    <p:sldLayoutId id="2147483880" r:id="rId3"/>
+    <p:sldLayoutId id="2147483881" r:id="rId4"/>
+    <p:sldLayoutId id="2147483882" r:id="rId5"/>
+    <p:sldLayoutId id="2147483883" r:id="rId6"/>
   </p:sldLayoutIdLst>
   <p:transition>
     <p:fade/>
   </p:transition>
-  <p:timing>
-    <p:tnLst>
-      <p:par>
-        <p:cTn id="1" dur="indefinite" restart="never" nodeType="tmRoot"/>
-      </p:par>
-    </p:tnLst>
-  </p:timing>
   <p:txStyles>
     <p:titleStyle>
       <a:lvl1pPr algn="ctr" rtl="0" eaLnBrk="1" fontAlgn="base" hangingPunct="1">
@@ -3744,10 +3719,9 @@
           <a:lstStyle/>
           <a:p>
             <a:r>
-              <a:rPr lang="en-US" dirty="0" smtClean="0"/>
+              <a:rPr lang="en-US" dirty="0"/>
               <a:t>Invent</a:t>
             </a:r>
-            <a:endParaRPr lang="en-US" dirty="0"/>
           </a:p>
         </p:txBody>
       </p:sp>
@@ -3767,69 +3741,65 @@
           <a:lstStyle/>
           <a:p>
             <a:r>
-              <a:rPr lang="en-US" dirty="0" smtClean="0">
+              <a:rPr lang="en-US" dirty="0">
                 <a:hlinkClick r:id="rId3" action="ppaction://hlinksldjump"/>
               </a:rPr>
               <a:t>Motivation</a:t>
             </a:r>
-            <a:endParaRPr lang="en-US" dirty="0" smtClean="0"/>
-          </a:p>
-          <a:p>
-            <a:r>
-              <a:rPr lang="en-US" dirty="0" smtClean="0">
+            <a:endParaRPr lang="en-US" dirty="0"/>
+          </a:p>
+          <a:p>
+            <a:r>
+              <a:rPr lang="en-US" dirty="0">
                 <a:hlinkClick r:id="rId4" action="ppaction://hlinksldjump"/>
               </a:rPr>
               <a:t>Short Walk to the Edge of Knowledge</a:t>
             </a:r>
-            <a:endParaRPr lang="en-US" dirty="0" smtClean="0"/>
-          </a:p>
-          <a:p>
-            <a:r>
-              <a:rPr lang="en-US" dirty="0" smtClean="0">
+            <a:endParaRPr lang="en-US" dirty="0"/>
+          </a:p>
+          <a:p>
+            <a:r>
+              <a:rPr lang="en-US" dirty="0">
                 <a:hlinkClick r:id="rId5" action="ppaction://hlinksldjump"/>
               </a:rPr>
               <a:t>Evolution vs Big Leaps</a:t>
             </a:r>
-            <a:endParaRPr lang="en-US" dirty="0" smtClean="0"/>
-          </a:p>
-          <a:p>
-            <a:r>
-              <a:rPr lang="en-US" dirty="0" smtClean="0">
+            <a:endParaRPr lang="en-US" dirty="0"/>
+          </a:p>
+          <a:p>
+            <a:r>
+              <a:rPr lang="en-US" dirty="0">
                 <a:hlinkClick r:id="rId6" action="ppaction://hlinksldjump"/>
               </a:rPr>
               <a:t>Context powers Innovation</a:t>
             </a:r>
-            <a:endParaRPr lang="en-US" dirty="0" smtClean="0"/>
-          </a:p>
-          <a:p>
-            <a:r>
-              <a:rPr lang="en-US" dirty="0" smtClean="0">
+            <a:endParaRPr lang="en-US" dirty="0"/>
+          </a:p>
+          <a:p>
+            <a:r>
+              <a:rPr lang="en-US" dirty="0">
                 <a:hlinkClick r:id="rId7" action="ppaction://hlinksldjump"/>
               </a:rPr>
               <a:t>Diverse network – be a node</a:t>
             </a:r>
             <a:r>
-              <a:rPr lang="en-US" dirty="0" smtClean="0"/>
+              <a:rPr lang="en-US" dirty="0"/>
               <a:t>!</a:t>
             </a:r>
           </a:p>
           <a:p>
             <a:r>
-              <a:rPr lang="en-US" dirty="0" smtClean="0">
+              <a:rPr lang="en-US" dirty="0">
                 <a:hlinkClick r:id="rId8" action="ppaction://hlinksldjump"/>
               </a:rPr>
               <a:t>Mass production</a:t>
             </a:r>
-            <a:endParaRPr lang="en-US" dirty="0" smtClean="0"/>
-          </a:p>
-          <a:p>
-            <a:r>
-              <a:rPr lang="en-US" dirty="0" smtClean="0"/>
-              <a:t>Tools build tools</a:t>
-            </a:r>
-            <a:r>
-              <a:rPr lang="en-US" dirty="0"/>
-              <a:t> (and </a:t>
+            <a:endParaRPr lang="en-US" dirty="0"/>
+          </a:p>
+          <a:p>
+            <a:r>
+              <a:rPr lang="en-US" dirty="0"/>
+              <a:t>Tools build tools (and </a:t>
             </a:r>
             <a:r>
               <a:rPr lang="en-US" dirty="0">
@@ -3839,37 +3809,33 @@
             </a:r>
             <a:r>
               <a:rPr lang="en-US" dirty="0"/>
-              <a:t>)</a:t>
-            </a:r>
-            <a:r>
-              <a:rPr lang="en-US" dirty="0" smtClean="0"/>
-              <a:t> to invent</a:t>
-            </a:r>
-          </a:p>
-          <a:p>
-            <a:r>
-              <a:rPr lang="en-US" dirty="0" smtClean="0">
+              <a:t>) to invent</a:t>
+            </a:r>
+          </a:p>
+          <a:p>
+            <a:r>
+              <a:rPr lang="en-US" dirty="0">
                 <a:hlinkClick r:id="rId10" action="ppaction://hlinksldjump"/>
               </a:rPr>
               <a:t>The best designers</a:t>
             </a:r>
             <a:r>
-              <a:rPr lang="en-US" dirty="0" smtClean="0"/>
+              <a:rPr lang="en-US" dirty="0"/>
               <a:t>…</a:t>
             </a:r>
           </a:p>
           <a:p>
-            <a:endParaRPr lang="en-US" dirty="0" smtClean="0"/>
-          </a:p>
-          <a:p>
-            <a:endParaRPr lang="en-US" dirty="0" smtClean="0"/>
+            <a:endParaRPr lang="en-US" dirty="0"/>
+          </a:p>
+          <a:p>
+            <a:endParaRPr lang="en-US" dirty="0"/>
           </a:p>
           <a:p>
             <a:pPr lvl="1"/>
-            <a:endParaRPr lang="en-US" dirty="0" smtClean="0"/>
-          </a:p>
-          <a:p>
-            <a:endParaRPr lang="en-US" dirty="0" smtClean="0"/>
+            <a:endParaRPr lang="en-US" dirty="0"/>
+          </a:p>
+          <a:p>
+            <a:endParaRPr lang="en-US" dirty="0"/>
           </a:p>
           <a:p>
             <a:endParaRPr lang="en-US" dirty="0"/>
@@ -3937,13 +3903,6 @@
   <p:transition>
     <p:fade/>
   </p:transition>
-  <p:timing>
-    <p:tnLst>
-      <p:par>
-        <p:cTn id="1" dur="indefinite" restart="never" nodeType="tmRoot"/>
-      </p:par>
-    </p:tnLst>
-  </p:timing>
 </p:sld>
 </file>
 
@@ -3985,10 +3944,9 @@
           <a:lstStyle/>
           <a:p>
             <a:r>
-              <a:rPr lang="en-US" dirty="0" smtClean="0"/>
+              <a:rPr lang="en-US" dirty="0"/>
               <a:t>Are you Ready for the Transition to Mass Production?</a:t>
             </a:r>
-            <a:endParaRPr lang="en-US" dirty="0"/>
           </a:p>
         </p:txBody>
       </p:sp>
@@ -4008,25 +3966,25 @@
           <a:lstStyle/>
           <a:p>
             <a:r>
-              <a:rPr lang="en-US" dirty="0" smtClean="0"/>
+              <a:rPr lang="en-US" dirty="0"/>
               <a:t>Historically Environmental Engineers have resisted standardization</a:t>
             </a:r>
           </a:p>
           <a:p>
             <a:r>
-              <a:rPr lang="en-US" dirty="0" smtClean="0"/>
+              <a:rPr lang="en-US" dirty="0"/>
               <a:t>Each water treatment plant was custom designed</a:t>
             </a:r>
           </a:p>
           <a:p>
             <a:r>
-              <a:rPr lang="en-US" dirty="0" smtClean="0"/>
+              <a:rPr lang="en-US" dirty="0"/>
               <a:t>Perhaps we saw this as job security</a:t>
             </a:r>
           </a:p>
           <a:p>
             <a:r>
-              <a:rPr lang="en-US" dirty="0" smtClean="0"/>
+              <a:rPr lang="en-US" dirty="0"/>
               <a:t>We liked to think that each problem we were solving was unique</a:t>
             </a:r>
           </a:p>
@@ -4048,13 +4006,6 @@
   <p:transition>
     <p:fade/>
   </p:transition>
-  <p:timing>
-    <p:tnLst>
-      <p:par>
-        <p:cTn id="1" dur="indefinite" restart="never" nodeType="tmRoot"/>
-      </p:par>
-    </p:tnLst>
-  </p:timing>
 </p:sld>
 </file>
 
@@ -4091,10 +4042,9 @@
           <a:lstStyle/>
           <a:p>
             <a:r>
-              <a:rPr lang="en-US" dirty="0" smtClean="0"/>
+              <a:rPr lang="en-US" dirty="0"/>
               <a:t>AguaClara Introduces Mass Production of Designs</a:t>
             </a:r>
-            <a:endParaRPr lang="en-US" dirty="0"/>
           </a:p>
         </p:txBody>
       </p:sp>
@@ -4114,44 +4064,44 @@
           <a:lstStyle/>
           <a:p>
             <a:r>
-              <a:rPr lang="en-US" dirty="0" smtClean="0"/>
+              <a:rPr lang="en-US" dirty="0"/>
               <a:t>Ford in 1903, "I will build a car for the great multitude."</a:t>
             </a:r>
           </a:p>
           <a:p>
             <a:r>
-              <a:rPr lang="en-US" dirty="0" smtClean="0"/>
+              <a:rPr lang="en-US" dirty="0"/>
               <a:t>AguaClara in 2005…</a:t>
             </a:r>
             <a:br>
-              <a:rPr lang="en-US" dirty="0" smtClean="0"/>
+              <a:rPr lang="en-US" dirty="0"/>
             </a:br>
             <a:r>
-              <a:rPr lang="en-US" dirty="0" smtClean="0"/>
+              <a:rPr lang="en-US" dirty="0"/>
               <a:t>We will design a water treatment plant for </a:t>
             </a:r>
             <a:r>
-              <a:rPr lang="en-US" dirty="0" err="1" smtClean="0"/>
+              <a:rPr lang="en-US" dirty="0" err="1"/>
               <a:t>Ojojona</a:t>
             </a:r>
-            <a:endParaRPr lang="en-US" dirty="0" smtClean="0"/>
-          </a:p>
-          <a:p>
-            <a:r>
-              <a:rPr lang="en-US" dirty="0" smtClean="0"/>
+            <a:endParaRPr lang="en-US" dirty="0"/>
+          </a:p>
+          <a:p>
+            <a:r>
+              <a:rPr lang="en-US" dirty="0"/>
               <a:t>AguaClara in 2006…</a:t>
             </a:r>
             <a:br>
-              <a:rPr lang="en-US" dirty="0" smtClean="0"/>
+              <a:rPr lang="en-US" dirty="0"/>
             </a:br>
             <a:r>
-              <a:rPr lang="en-US" dirty="0" smtClean="0"/>
+              <a:rPr lang="en-US" dirty="0"/>
               <a:t>We will build a jig that can design customized water treatment plants for the great multitude</a:t>
             </a:r>
           </a:p>
           <a:p>
             <a:r>
-              <a:rPr lang="en-US" dirty="0" smtClean="0"/>
+              <a:rPr lang="en-US" dirty="0"/>
               <a:t>AguaClara in 2017… time for a new jig!</a:t>
             </a:r>
           </a:p>
@@ -4440,17 +4390,16 @@
           <a:lstStyle/>
           <a:p>
             <a:r>
-              <a:rPr lang="en-US" sz="4000" dirty="0" smtClean="0"/>
+              <a:rPr lang="en-US" sz="4000" dirty="0"/>
               <a:t>Jigs: </a:t>
             </a:r>
             <a:br>
-              <a:rPr lang="en-US" sz="4000" dirty="0" smtClean="0"/>
+              <a:rPr lang="en-US" sz="4000" dirty="0"/>
             </a:br>
             <a:r>
-              <a:rPr lang="en-US" sz="4000" dirty="0" smtClean="0"/>
+              <a:rPr lang="en-US" sz="4000" dirty="0"/>
               <a:t>Can you connect this to AguaClara?</a:t>
             </a:r>
-            <a:endParaRPr lang="en-US" sz="4000" dirty="0"/>
           </a:p>
         </p:txBody>
       </p:sp>
@@ -4470,39 +4419,38 @@
           <a:lstStyle/>
           <a:p>
             <a:r>
-              <a:rPr lang="en-US" sz="2800" dirty="0" smtClean="0"/>
+              <a:rPr lang="en-US" sz="2800" dirty="0"/>
               <a:t>A </a:t>
             </a:r>
             <a:r>
-              <a:rPr lang="en-US" sz="2800" b="1" dirty="0" smtClean="0"/>
+              <a:rPr lang="en-US" sz="2800" b="1" dirty="0"/>
               <a:t>jig</a:t>
             </a:r>
             <a:r>
-              <a:rPr lang="en-US" sz="2800" dirty="0" smtClean="0"/>
+              <a:rPr lang="en-US" sz="2800" dirty="0"/>
               <a:t> is any of a large class of tools that help to control the location or motion (or both) of a tool. </a:t>
             </a:r>
           </a:p>
           <a:p>
             <a:r>
-              <a:rPr lang="en-US" sz="2800" dirty="0" smtClean="0"/>
+              <a:rPr lang="en-US" sz="2800" dirty="0"/>
               <a:t>The primary purpose for a jig is for repeatability and exact duplication of a part for reproduction. </a:t>
             </a:r>
           </a:p>
           <a:p>
             <a:r>
-              <a:rPr lang="en-US" sz="2800" dirty="0" smtClean="0"/>
+              <a:rPr lang="en-US" sz="2800" dirty="0"/>
               <a:t>In the advent of automation and CNC machines, jigs are not required because the tool path is digitally programmed and stored in memory.</a:t>
             </a:r>
           </a:p>
           <a:p>
-            <a:endParaRPr lang="en-US" sz="2800" dirty="0" smtClean="0"/>
-          </a:p>
-          <a:p>
-            <a:r>
-              <a:rPr lang="en-US" sz="2800" dirty="0" smtClean="0"/>
+            <a:endParaRPr lang="en-US" sz="2800" dirty="0"/>
+          </a:p>
+          <a:p>
+            <a:r>
+              <a:rPr lang="en-US" sz="2800" dirty="0"/>
               <a:t>The jig is often much more complicated than the piece being built!</a:t>
             </a:r>
-            <a:endParaRPr lang="en-US" sz="2800" dirty="0"/>
           </a:p>
         </p:txBody>
       </p:sp>
@@ -4528,10 +4476,9 @@
           <a:lstStyle/>
           <a:p>
             <a:r>
-              <a:rPr lang="en-US" sz="1800" b="0" dirty="0" smtClean="0"/>
+              <a:rPr lang="en-US" sz="1800" b="0" dirty="0"/>
               <a:t>http://en.wikipedia.org/wiki/Jig_%28tool%29</a:t>
             </a:r>
-            <a:endParaRPr lang="en-US" sz="1800" b="0" dirty="0"/>
           </a:p>
         </p:txBody>
       </p:sp>
@@ -4588,7 +4535,7 @@
               <a:buNone/>
               <a:tabLst/>
             </a:pPr>
-            <a:endParaRPr kumimoji="0" lang="en-US" sz="2800" b="0" i="0" u="none" strike="noStrike" cap="none" normalizeH="0" baseline="0" smtClean="0">
+            <a:endParaRPr kumimoji="0" lang="en-US" sz="2800" b="0" i="0" u="none" strike="noStrike" cap="none" normalizeH="0" baseline="0">
               <a:ln>
                 <a:noFill/>
               </a:ln>
@@ -4728,10 +4675,9 @@
           <a:lstStyle/>
           <a:p>
             <a:r>
-              <a:rPr lang="en-US" dirty="0" smtClean="0"/>
+              <a:rPr lang="en-US" dirty="0"/>
               <a:t>Jigs…</a:t>
             </a:r>
-            <a:endParaRPr lang="en-US" dirty="0"/>
           </a:p>
         </p:txBody>
       </p:sp>
@@ -4756,34 +4702,34 @@
           <a:lstStyle/>
           <a:p>
             <a:r>
-              <a:rPr lang="en-US" dirty="0" smtClean="0"/>
+              <a:rPr lang="en-US" dirty="0"/>
               <a:t>Provide control and repeatability for production work</a:t>
             </a:r>
           </a:p>
           <a:p>
             <a:r>
-              <a:rPr lang="en-US" dirty="0" smtClean="0"/>
+              <a:rPr lang="en-US" dirty="0"/>
               <a:t>I’ve been making jigs since the late 1970s</a:t>
             </a:r>
           </a:p>
           <a:p>
             <a:r>
-              <a:rPr lang="en-US" dirty="0" smtClean="0"/>
+              <a:rPr lang="en-US" dirty="0"/>
               <a:t>Wooden stars, tops, </a:t>
             </a:r>
             <a:br>
-              <a:rPr lang="en-US" dirty="0" smtClean="0"/>
+              <a:rPr lang="en-US" dirty="0"/>
             </a:br>
             <a:r>
-              <a:rPr lang="en-US" dirty="0" smtClean="0"/>
+              <a:rPr lang="en-US" dirty="0"/>
               <a:t>and windmill blades</a:t>
             </a:r>
           </a:p>
           <a:p>
-            <a:endParaRPr lang="en-US" dirty="0" smtClean="0"/>
-          </a:p>
-          <a:p>
-            <a:endParaRPr lang="en-US" dirty="0" smtClean="0"/>
+            <a:endParaRPr lang="en-US" dirty="0"/>
+          </a:p>
+          <a:p>
+            <a:endParaRPr lang="en-US" dirty="0"/>
           </a:p>
         </p:txBody>
       </p:sp>
@@ -4930,13 +4876,6 @@
   <p:transition>
     <p:fade/>
   </p:transition>
-  <p:timing>
-    <p:tnLst>
-      <p:par>
-        <p:cTn id="1" dur="indefinite" restart="never" nodeType="tmRoot"/>
-      </p:par>
-    </p:tnLst>
-  </p:timing>
 </p:sld>
 </file>
 
@@ -4973,10 +4912,9 @@
           <a:lstStyle/>
           <a:p>
             <a:r>
-              <a:rPr lang="en-US" dirty="0" smtClean="0"/>
+              <a:rPr lang="en-US" dirty="0"/>
               <a:t>Jigs: Provide control and repeatability for production work</a:t>
             </a:r>
-            <a:endParaRPr lang="en-US" dirty="0"/>
           </a:p>
         </p:txBody>
       </p:sp>
@@ -4996,41 +4934,35 @@
           <a:lstStyle/>
           <a:p>
             <a:r>
-              <a:rPr lang="en-US" dirty="0" smtClean="0"/>
+              <a:rPr lang="en-US" dirty="0"/>
               <a:t>Taking the concept of a jig to the next level</a:t>
             </a:r>
           </a:p>
           <a:p>
             <a:r>
-              <a:rPr lang="en-US" dirty="0" err="1" smtClean="0"/>
+              <a:rPr lang="en-US" dirty="0" err="1"/>
               <a:t>ProCoDA</a:t>
             </a:r>
             <a:r>
-              <a:rPr lang="en-US" dirty="0" smtClean="0"/>
+              <a:rPr lang="en-US" dirty="0"/>
               <a:t> – a jig that can be easily configured to automate many different kinds of experiments</a:t>
             </a:r>
           </a:p>
           <a:p>
             <a:r>
-              <a:rPr lang="en-US" dirty="0" err="1" smtClean="0"/>
+              <a:rPr lang="en-US" dirty="0" err="1"/>
               <a:t>aide_design</a:t>
             </a:r>
             <a:r>
-              <a:rPr lang="en-US" dirty="0" smtClean="0"/>
-              <a:t> – a jig that can easily be configured to produce designs of anything</a:t>
-            </a:r>
-            <a:r>
-              <a:rPr lang="en-US" dirty="0" smtClean="0"/>
-              <a:t>!</a:t>
-            </a:r>
-            <a:endParaRPr lang="en-US" dirty="0"/>
-          </a:p>
-          <a:p>
-            <a:r>
-              <a:rPr lang="en-US" dirty="0" smtClean="0"/>
+              <a:rPr lang="en-US" dirty="0"/>
+              <a:t> – a jig that can easily be configured to produce designs of anything!</a:t>
+            </a:r>
+          </a:p>
+          <a:p>
+            <a:r>
+              <a:rPr lang="en-US" dirty="0"/>
               <a:t>Your code should allow a change to a starting assumption and have that change carry the WHOLE WAY through the design</a:t>
             </a:r>
-            <a:endParaRPr lang="en-US" dirty="0" smtClean="0"/>
           </a:p>
           <a:p>
             <a:endParaRPr lang="en-US" dirty="0"/>
@@ -5050,13 +4982,6 @@
   <p:transition>
     <p:fade/>
   </p:transition>
-  <p:timing>
-    <p:tnLst>
-      <p:par>
-        <p:cTn id="1" dur="indefinite" restart="never" nodeType="tmRoot"/>
-      </p:par>
-    </p:tnLst>
-  </p:timing>
 </p:sld>
 </file>
 
@@ -5093,10 +5018,9 @@
           <a:lstStyle/>
           <a:p>
             <a:r>
-              <a:rPr lang="en-US" dirty="0" smtClean="0"/>
+              <a:rPr lang="en-US" dirty="0"/>
               <a:t>Evolution of how engineers created drawings</a:t>
             </a:r>
-            <a:endParaRPr lang="en-US" dirty="0"/>
           </a:p>
         </p:txBody>
       </p:sp>
@@ -5121,46 +5045,46 @@
           <a:lstStyle/>
           <a:p>
             <a:r>
-              <a:rPr lang="en-US" sz="2400" dirty="0" smtClean="0"/>
+              <a:rPr lang="en-US" sz="2400" dirty="0"/>
               <a:t>Room full of draftsmen </a:t>
             </a:r>
           </a:p>
           <a:p>
             <a:r>
-              <a:rPr lang="en-US" sz="2400" dirty="0" smtClean="0"/>
+              <a:rPr lang="en-US" sz="2400" dirty="0"/>
               <a:t>Computer drawing 2-D then 3-D</a:t>
             </a:r>
           </a:p>
           <a:p>
             <a:r>
-              <a:rPr lang="en-US" sz="2400" dirty="0" smtClean="0"/>
+              <a:rPr lang="en-US" sz="2400" dirty="0"/>
               <a:t>Parametric drawing (given H, W, L, T it can draw a tank)</a:t>
             </a:r>
           </a:p>
           <a:p>
             <a:r>
-              <a:rPr lang="en-US" sz="2400" dirty="0" smtClean="0"/>
+              <a:rPr lang="en-US" sz="2400" dirty="0"/>
               <a:t>Engineered Parametric Drawing (given flow rate it can draw a municipal water treatment plant)</a:t>
             </a:r>
           </a:p>
           <a:p>
             <a:r>
-              <a:rPr lang="en-US" sz="2400" dirty="0" err="1" smtClean="0"/>
+              <a:rPr lang="en-US" sz="2400" dirty="0" err="1"/>
               <a:t>Aide_design</a:t>
             </a:r>
             <a:r>
-              <a:rPr lang="en-US" sz="2400" dirty="0" smtClean="0"/>
+              <a:rPr lang="en-US" sz="2400" dirty="0"/>
               <a:t>!</a:t>
             </a:r>
           </a:p>
           <a:p>
-            <a:endParaRPr lang="en-US" sz="2400" dirty="0" smtClean="0"/>
-          </a:p>
-          <a:p>
-            <a:endParaRPr lang="en-US" sz="2400" dirty="0" smtClean="0"/>
-          </a:p>
-          <a:p>
-            <a:endParaRPr lang="en-US" sz="2400" dirty="0" smtClean="0"/>
+            <a:endParaRPr lang="en-US" sz="2400" dirty="0"/>
+          </a:p>
+          <a:p>
+            <a:endParaRPr lang="en-US" sz="2400" dirty="0"/>
+          </a:p>
+          <a:p>
+            <a:endParaRPr lang="en-US" sz="2400" dirty="0"/>
           </a:p>
           <a:p>
             <a:endParaRPr lang="en-US" sz="2400" dirty="0"/>
@@ -5370,10 +5294,9 @@
           <a:lstStyle/>
           <a:p>
             <a:r>
-              <a:rPr lang="en-US" dirty="0" smtClean="0"/>
+              <a:rPr lang="en-US" dirty="0"/>
               <a:t>How do you Invent?</a:t>
             </a:r>
-            <a:endParaRPr lang="en-US" dirty="0"/>
           </a:p>
         </p:txBody>
       </p:sp>
@@ -5393,43 +5316,43 @@
           <a:lstStyle/>
           <a:p>
             <a:r>
-              <a:rPr lang="en-US" dirty="0" smtClean="0"/>
+              <a:rPr lang="en-US" dirty="0"/>
               <a:t>Question EVERYTHING including the Question</a:t>
             </a:r>
           </a:p>
           <a:p>
             <a:r>
-              <a:rPr lang="en-US" dirty="0" smtClean="0"/>
+              <a:rPr lang="en-US" dirty="0"/>
               <a:t>Ask WHY?</a:t>
             </a:r>
           </a:p>
           <a:p>
             <a:r>
-              <a:rPr lang="en-US" dirty="0" smtClean="0"/>
+              <a:rPr lang="en-US" dirty="0"/>
               <a:t>Sketch new ideas – create a ranking </a:t>
             </a:r>
           </a:p>
           <a:p>
             <a:r>
-              <a:rPr lang="en-US" dirty="0" smtClean="0"/>
+              <a:rPr lang="en-US" dirty="0"/>
               <a:t>Remember what you know</a:t>
             </a:r>
           </a:p>
           <a:p>
             <a:r>
-              <a:rPr lang="en-US" dirty="0" smtClean="0"/>
+              <a:rPr lang="en-US" dirty="0"/>
               <a:t>Question your assumptions</a:t>
             </a:r>
           </a:p>
           <a:p>
             <a:r>
-              <a:rPr lang="en-US" dirty="0" smtClean="0"/>
+              <a:rPr lang="en-US" dirty="0"/>
               <a:t>Take it to the extremes</a:t>
             </a:r>
           </a:p>
           <a:p>
             <a:r>
-              <a:rPr lang="en-US" dirty="0" smtClean="0"/>
+              <a:rPr lang="en-US" dirty="0"/>
               <a:t>Remember sustainability</a:t>
             </a:r>
           </a:p>
@@ -5461,18 +5384,13 @@
           <a:lstStyle/>
           <a:p>
             <a:r>
-              <a:rPr lang="en-US" b="0" dirty="0" smtClean="0">
+              <a:rPr lang="en-US" b="0" dirty="0">
                 <a:solidFill>
                   <a:schemeClr val="accent1"/>
                 </a:solidFill>
               </a:rPr>
               <a:t>Why baffles?</a:t>
             </a:r>
-            <a:endParaRPr lang="en-US" b="0" dirty="0">
-              <a:solidFill>
-                <a:schemeClr val="accent1"/>
-              </a:solidFill>
-            </a:endParaRPr>
           </a:p>
         </p:txBody>
       </p:sp>
@@ -5499,18 +5417,13 @@
           <a:lstStyle/>
           <a:p>
             <a:r>
-              <a:rPr lang="en-US" sz="2400" b="0" dirty="0" smtClean="0">
+              <a:rPr lang="en-US" sz="2400" b="0" dirty="0">
                 <a:solidFill>
                   <a:schemeClr val="accent1"/>
                 </a:solidFill>
               </a:rPr>
               <a:t>Why not make deep flocculators more efficient?</a:t>
             </a:r>
-            <a:endParaRPr lang="en-US" sz="2400" b="0" dirty="0">
-              <a:solidFill>
-                <a:schemeClr val="accent1"/>
-              </a:solidFill>
-            </a:endParaRPr>
           </a:p>
         </p:txBody>
       </p:sp>
@@ -5537,18 +5450,13 @@
           <a:lstStyle/>
           <a:p>
             <a:r>
-              <a:rPr lang="en-US" b="0" dirty="0" smtClean="0">
+              <a:rPr lang="en-US" b="0" dirty="0">
                 <a:solidFill>
                   <a:schemeClr val="accent1"/>
                 </a:solidFill>
               </a:rPr>
               <a:t>Mass is conserved </a:t>
             </a:r>
-            <a:endParaRPr lang="en-US" b="0" dirty="0">
-              <a:solidFill>
-                <a:schemeClr val="accent1"/>
-              </a:solidFill>
-            </a:endParaRPr>
           </a:p>
         </p:txBody>
       </p:sp>
@@ -6115,10 +6023,9 @@
           <a:lstStyle/>
           <a:p>
             <a:r>
-              <a:rPr lang="en-US" dirty="0" smtClean="0"/>
+              <a:rPr lang="en-US" dirty="0"/>
               <a:t>What is Intelligent Design?</a:t>
             </a:r>
-            <a:endParaRPr lang="en-US" dirty="0"/>
           </a:p>
         </p:txBody>
       </p:sp>
@@ -6143,11 +6050,11 @@
           <a:lstStyle/>
           <a:p>
             <a:r>
-              <a:rPr lang="en-US" dirty="0" smtClean="0"/>
+              <a:rPr lang="en-US" dirty="0"/>
               <a:t>Identify the </a:t>
             </a:r>
             <a:r>
-              <a:rPr lang="en-US" b="1" dirty="0" smtClean="0">
+              <a:rPr lang="en-US" b="1" dirty="0">
                 <a:solidFill>
                   <a:schemeClr val="accent1"/>
                 </a:solidFill>
@@ -6155,22 +6062,22 @@
               <a:t>O</a:t>
             </a:r>
             <a:r>
-              <a:rPr lang="en-US" dirty="0" smtClean="0">
+              <a:rPr lang="en-US" dirty="0">
                 <a:solidFill>
                   <a:schemeClr val="accent1"/>
                 </a:solidFill>
               </a:rPr>
               <a:t>bjectives</a:t>
             </a:r>
-            <a:endParaRPr lang="en-US" dirty="0" smtClean="0"/>
-          </a:p>
-          <a:p>
-            <a:r>
-              <a:rPr lang="en-US" dirty="0" smtClean="0"/>
+            <a:endParaRPr lang="en-US" dirty="0"/>
+          </a:p>
+          <a:p>
+            <a:r>
+              <a:rPr lang="en-US" dirty="0"/>
               <a:t>Identifying the correct </a:t>
             </a:r>
             <a:r>
-              <a:rPr lang="en-US" b="1" u="sng" dirty="0" smtClean="0">
+              <a:rPr lang="en-US" b="1" u="sng" dirty="0">
                 <a:solidFill>
                   <a:schemeClr val="accent1"/>
                 </a:solidFill>
@@ -6178,7 +6085,7 @@
               <a:t>C</a:t>
             </a:r>
             <a:r>
-              <a:rPr lang="en-US" dirty="0" smtClean="0">
+              <a:rPr lang="en-US" dirty="0">
                 <a:solidFill>
                   <a:schemeClr val="accent1"/>
                 </a:solidFill>
@@ -6186,17 +6093,17 @@
               <a:t>onstraints</a:t>
             </a:r>
             <a:r>
-              <a:rPr lang="en-US" dirty="0" smtClean="0"/>
+              <a:rPr lang="en-US" dirty="0"/>
               <a:t> (sketch them) and create dimensionless parameters</a:t>
             </a:r>
           </a:p>
           <a:p>
             <a:r>
-              <a:rPr lang="en-US" dirty="0" smtClean="0"/>
+              <a:rPr lang="en-US" dirty="0"/>
               <a:t>Creating the best </a:t>
             </a:r>
             <a:r>
-              <a:rPr lang="en-US" b="1" u="sng" dirty="0" smtClean="0">
+              <a:rPr lang="en-US" b="1" u="sng" dirty="0">
                 <a:solidFill>
                   <a:schemeClr val="accent1"/>
                 </a:solidFill>
@@ -6204,7 +6111,7 @@
               <a:t>A</a:t>
             </a:r>
             <a:r>
-              <a:rPr lang="en-US" dirty="0" smtClean="0">
+              <a:rPr lang="en-US" dirty="0">
                 <a:solidFill>
                   <a:schemeClr val="accent1"/>
                 </a:solidFill>
@@ -6212,17 +6119,17 @@
               <a:t>lgorithms</a:t>
             </a:r>
             <a:r>
-              <a:rPr lang="en-US" dirty="0" smtClean="0"/>
+              <a:rPr lang="en-US" dirty="0"/>
               <a:t> based on Physics, Constructability, Maintenance, Economics</a:t>
             </a:r>
           </a:p>
           <a:p>
             <a:r>
-              <a:rPr lang="en-US" dirty="0" smtClean="0"/>
+              <a:rPr lang="en-US" dirty="0"/>
               <a:t>Converting constraints into </a:t>
             </a:r>
             <a:r>
-              <a:rPr lang="en-US" b="1" u="sng" dirty="0" smtClean="0">
+              <a:rPr lang="en-US" b="1" u="sng" dirty="0">
                 <a:solidFill>
                   <a:schemeClr val="accent1"/>
                 </a:solidFill>
@@ -6230,7 +6137,7 @@
               <a:t>D</a:t>
             </a:r>
             <a:r>
-              <a:rPr lang="en-US" dirty="0" smtClean="0">
+              <a:rPr lang="en-US" dirty="0">
                 <a:solidFill>
                   <a:schemeClr val="accent1"/>
                 </a:solidFill>
@@ -6238,17 +6145,17 @@
               <a:t>imensions</a:t>
             </a:r>
             <a:r>
-              <a:rPr lang="en-US" dirty="0" smtClean="0"/>
+              <a:rPr lang="en-US" dirty="0"/>
               <a:t> using algorithms</a:t>
             </a:r>
           </a:p>
           <a:p>
             <a:r>
-              <a:rPr lang="en-US" dirty="0" smtClean="0"/>
+              <a:rPr lang="en-US" dirty="0"/>
               <a:t>Convert Dimensions into </a:t>
             </a:r>
             <a:r>
-              <a:rPr lang="en-US" b="1" dirty="0" smtClean="0">
+              <a:rPr lang="en-US" b="1" dirty="0">
                 <a:solidFill>
                   <a:schemeClr val="accent1"/>
                 </a:solidFill>
@@ -6430,21 +6337,16 @@
           <a:lstStyle/>
           <a:p>
             <a:r>
-              <a:rPr lang="en-US" dirty="0" smtClean="0"/>
-              <a:t>Beauty</a:t>
-            </a:r>
-            <a:r>
-              <a:rPr lang="en-US" dirty="0"/>
-              <a:t>?</a:t>
+              <a:rPr lang="en-US" dirty="0"/>
+              <a:t>Beauty?</a:t>
             </a:r>
             <a:br>
               <a:rPr lang="en-US" dirty="0"/>
             </a:br>
             <a:r>
-              <a:rPr lang="en-US" dirty="0" smtClean="0"/>
+              <a:rPr lang="en-US" dirty="0"/>
               <a:t>Aesthetics matter!</a:t>
             </a:r>
-            <a:endParaRPr lang="en-US" dirty="0"/>
           </a:p>
         </p:txBody>
       </p:sp>
@@ -6463,32 +6365,31 @@
           <a:bodyPr/>
           <a:lstStyle/>
           <a:p>
-            <a:endParaRPr lang="en-US" dirty="0" smtClean="0"/>
-          </a:p>
-          <a:p>
-            <a:endParaRPr lang="en-US" dirty="0" smtClean="0"/>
-          </a:p>
-          <a:p>
             <a:endParaRPr lang="en-US" dirty="0"/>
           </a:p>
           <a:p>
-            <a:endParaRPr lang="en-US" dirty="0" smtClean="0"/>
-          </a:p>
-          <a:p>
-            <a:endParaRPr lang="en-US" dirty="0" smtClean="0"/>
-          </a:p>
-          <a:p>
-            <a:endParaRPr lang="en-US" dirty="0" smtClean="0"/>
-          </a:p>
-          <a:p>
-            <a:endParaRPr lang="en-US" dirty="0" smtClean="0"/>
-          </a:p>
-          <a:p>
-            <a:r>
-              <a:rPr lang="en-US" dirty="0" smtClean="0"/>
+            <a:endParaRPr lang="en-US" dirty="0"/>
+          </a:p>
+          <a:p>
+            <a:endParaRPr lang="en-US" dirty="0"/>
+          </a:p>
+          <a:p>
+            <a:endParaRPr lang="en-US" dirty="0"/>
+          </a:p>
+          <a:p>
+            <a:endParaRPr lang="en-US" dirty="0"/>
+          </a:p>
+          <a:p>
+            <a:endParaRPr lang="en-US" dirty="0"/>
+          </a:p>
+          <a:p>
+            <a:endParaRPr lang="en-US" dirty="0"/>
+          </a:p>
+          <a:p>
+            <a:r>
+              <a:rPr lang="en-US" dirty="0"/>
               <a:t>Beauty in equations, algorithms, facilities, and in a healthy community</a:t>
             </a:r>
-            <a:endParaRPr lang="en-US" dirty="0"/>
           </a:p>
         </p:txBody>
       </p:sp>
@@ -6684,11 +6585,11 @@
           <a:lstStyle/>
           <a:p>
             <a:r>
-              <a:rPr lang="en-US" dirty="0" smtClean="0"/>
+              <a:rPr lang="en-US" dirty="0"/>
               <a:t>San </a:t>
             </a:r>
             <a:r>
-              <a:rPr lang="en-US" dirty="0" err="1" smtClean="0"/>
+              <a:rPr lang="en-US" dirty="0" err="1"/>
               <a:t>Matias</a:t>
             </a:r>
             <a:endParaRPr lang="en-US" dirty="0"/>
@@ -6708,13 +6609,6 @@
   <p:transition>
     <p:fade/>
   </p:transition>
-  <p:timing>
-    <p:tnLst>
-      <p:par>
-        <p:cTn id="1" dur="indefinite" restart="never" nodeType="tmRoot"/>
-      </p:par>
-    </p:tnLst>
-  </p:timing>
 </p:sld>
 </file>
 
@@ -6751,10 +6645,9 @@
           <a:lstStyle/>
           <a:p>
             <a:r>
-              <a:rPr lang="en-US" dirty="0" smtClean="0"/>
+              <a:rPr lang="en-US" dirty="0"/>
               <a:t>Innovation</a:t>
             </a:r>
-            <a:endParaRPr lang="en-US" dirty="0"/>
           </a:p>
         </p:txBody>
       </p:sp>
@@ -6774,31 +6667,31 @@
           <a:lstStyle/>
           <a:p>
             <a:r>
-              <a:rPr lang="en-US" dirty="0" smtClean="0"/>
+              <a:rPr lang="en-US" dirty="0"/>
               <a:t>Ask what if we…</a:t>
             </a:r>
           </a:p>
           <a:p>
             <a:r>
-              <a:rPr lang="en-US" dirty="0" smtClean="0"/>
+              <a:rPr lang="en-US" dirty="0"/>
               <a:t>Requires a willingness to make mistakes</a:t>
             </a:r>
           </a:p>
           <a:p>
             <a:r>
-              <a:rPr lang="en-US" dirty="0" smtClean="0"/>
+              <a:rPr lang="en-US" dirty="0"/>
               <a:t>Play with geometry to generate new insights</a:t>
             </a:r>
           </a:p>
           <a:p>
             <a:r>
-              <a:rPr lang="en-US" dirty="0" smtClean="0"/>
+              <a:rPr lang="en-US" dirty="0"/>
               <a:t>Try to unearth and  revisit each design assumption</a:t>
             </a:r>
           </a:p>
           <a:p>
             <a:r>
-              <a:rPr lang="en-US" dirty="0" smtClean="0"/>
+              <a:rPr lang="en-US" dirty="0"/>
               <a:t>Remember physics and social context: know your constraints</a:t>
             </a:r>
           </a:p>
@@ -6815,13 +6708,6 @@
   <p:transition>
     <p:fade/>
   </p:transition>
-  <p:timing>
-    <p:tnLst>
-      <p:par>
-        <p:cTn id="1" dur="indefinite" restart="never" nodeType="tmRoot"/>
-      </p:par>
-    </p:tnLst>
-  </p:timing>
 </p:sld>
 </file>
 
@@ -6858,10 +6744,9 @@
           <a:lstStyle/>
           <a:p>
             <a:r>
-              <a:rPr lang="en-US" dirty="0" smtClean="0"/>
+              <a:rPr lang="en-US" dirty="0"/>
               <a:t>Why are you here?</a:t>
             </a:r>
-            <a:endParaRPr lang="en-US" dirty="0"/>
           </a:p>
         </p:txBody>
       </p:sp>
@@ -6881,36 +6766,27 @@
           <a:lstStyle/>
           <a:p>
             <a:r>
-              <a:rPr lang="en-US" dirty="0" smtClean="0"/>
-              <a:t>How </a:t>
-            </a:r>
-            <a:r>
-              <a:rPr lang="en-US" dirty="0" smtClean="0"/>
-              <a:t>important is passion or a connection with meaning in your choice of a career?</a:t>
-            </a:r>
-          </a:p>
-          <a:p>
-            <a:r>
-              <a:rPr lang="en-US" dirty="0" smtClean="0"/>
+              <a:rPr lang="en-US" dirty="0"/>
+              <a:t>How important is passion or a connection with meaning in your choice of a career?</a:t>
+            </a:r>
+          </a:p>
+          <a:p>
+            <a:r>
+              <a:rPr lang="en-US" dirty="0"/>
               <a:t>What will motivate you to get up and go to work every weekday morning?</a:t>
             </a:r>
           </a:p>
           <a:p>
             <a:r>
-              <a:rPr lang="en-US" dirty="0" smtClean="0"/>
-              <a:t>What kind of design project do you want to do</a:t>
-            </a:r>
-            <a:r>
-              <a:rPr lang="en-US" dirty="0" smtClean="0"/>
-              <a:t>?</a:t>
-            </a:r>
-          </a:p>
-          <a:p>
-            <a:r>
-              <a:rPr lang="en-US" dirty="0" smtClean="0"/>
+              <a:rPr lang="en-US" dirty="0"/>
+              <a:t>What kind of design project do you want to do?</a:t>
+            </a:r>
+          </a:p>
+          <a:p>
+            <a:r>
+              <a:rPr lang="en-US" dirty="0"/>
               <a:t>There is a tradeoff between creativity and “get it done fast”</a:t>
             </a:r>
-            <a:endParaRPr lang="en-US" dirty="0" smtClean="0"/>
           </a:p>
         </p:txBody>
       </p:sp>
@@ -7192,10 +7068,9 @@
           <a:lstStyle/>
           <a:p>
             <a:r>
-              <a:rPr lang="en-US" dirty="0" smtClean="0"/>
+              <a:rPr lang="en-US" dirty="0"/>
               <a:t>Frugal and Generous</a:t>
             </a:r>
-            <a:endParaRPr lang="en-US" dirty="0"/>
           </a:p>
         </p:txBody>
       </p:sp>
@@ -7219,11 +7094,7 @@
             </a:pPr>
             <a:r>
               <a:rPr lang="en-US" dirty="0"/>
-              <a:t>If we are going to make the world a better place we will need to be </a:t>
-            </a:r>
-            <a:r>
-              <a:rPr lang="en-US" dirty="0" smtClean="0"/>
-              <a:t>frugal and generous</a:t>
+              <a:t>If we are going to make the world a better place we will need to be frugal and generous</a:t>
             </a:r>
           </a:p>
           <a:p>
@@ -7237,16 +7108,8 @@
               <a:buNone/>
             </a:pPr>
             <a:r>
-              <a:rPr lang="en-US" sz="2400" dirty="0" smtClean="0"/>
-              <a:t>Frugal: careful </a:t>
-            </a:r>
-            <a:r>
               <a:rPr lang="en-US" sz="2400" dirty="0"/>
-              <a:t>about spending money or using things when you do not need to : using money or supplies in a very careful </a:t>
-            </a:r>
-            <a:r>
-              <a:rPr lang="en-US" sz="2400" dirty="0" smtClean="0"/>
-              <a:t>way</a:t>
+              <a:t>Frugal: careful about spending money or using things when you do not need to : using money or supplies in a very careful way</a:t>
             </a:r>
           </a:p>
           <a:p>
@@ -7254,12 +7117,8 @@
               <a:buNone/>
             </a:pPr>
             <a:r>
-              <a:rPr lang="en-US" sz="2400" dirty="0" smtClean="0"/>
-              <a:t>Generous: freely </a:t>
-            </a:r>
-            <a:r>
               <a:rPr lang="en-US" sz="2400" dirty="0"/>
-              <a:t>giving or sharing money and other valuable things</a:t>
+              <a:t>Generous: freely giving or sharing money and other valuable things</a:t>
             </a:r>
           </a:p>
           <a:p>
@@ -7342,13 +7201,6 @@
   <p:transition>
     <p:fade/>
   </p:transition>
-  <p:timing>
-    <p:tnLst>
-      <p:par>
-        <p:cTn id="1" dur="indefinite" restart="never" nodeType="tmRoot"/>
-      </p:par>
-    </p:tnLst>
-  </p:timing>
 </p:sld>
 </file>
 
@@ -7385,10 +7237,9 @@
           <a:lstStyle/>
           <a:p>
             <a:r>
-              <a:rPr lang="en-US" dirty="0" smtClean="0"/>
+              <a:rPr lang="en-US" dirty="0"/>
               <a:t>The best designers…</a:t>
             </a:r>
-            <a:endParaRPr lang="en-US" dirty="0"/>
           </a:p>
         </p:txBody>
       </p:sp>
@@ -7408,33 +7259,33 @@
           <a:lstStyle/>
           <a:p>
             <a:r>
-              <a:rPr lang="en-US" dirty="0" smtClean="0"/>
+              <a:rPr lang="en-US" dirty="0"/>
               <a:t>Explore how changes in design constraints affect the geometry (rotate, invert, make it square, make it round…)</a:t>
             </a:r>
           </a:p>
           <a:p>
             <a:r>
-              <a:rPr lang="en-US" dirty="0" smtClean="0"/>
+              <a:rPr lang="en-US" dirty="0"/>
               <a:t>Create multiple graphs or sketches showing relationships</a:t>
             </a:r>
           </a:p>
           <a:p>
             <a:pPr lvl="1"/>
             <a:r>
-              <a:rPr lang="en-US" dirty="0" smtClean="0"/>
+              <a:rPr lang="en-US" dirty="0"/>
               <a:t>Text is NOT how you invent new ideas!</a:t>
             </a:r>
           </a:p>
           <a:p>
             <a:r>
-              <a:rPr lang="en-US" dirty="0" smtClean="0"/>
+              <a:rPr lang="en-US" dirty="0"/>
               <a:t>Don’t assume a constraint is set in stone</a:t>
             </a:r>
           </a:p>
           <a:p>
             <a:pPr lvl="1"/>
             <a:r>
-              <a:rPr lang="en-US" dirty="0" smtClean="0"/>
+              <a:rPr lang="en-US" dirty="0"/>
               <a:t>Exploring options quickly – fail fast!</a:t>
             </a:r>
           </a:p>
@@ -7451,13 +7302,6 @@
   <p:transition>
     <p:fade/>
   </p:transition>
-  <p:timing>
-    <p:tnLst>
-      <p:par>
-        <p:cTn id="1" dur="indefinite" restart="never" nodeType="tmRoot"/>
-      </p:par>
-    </p:tnLst>
-  </p:timing>
 </p:sld>
 </file>
 
@@ -7494,10 +7338,9 @@
           <a:lstStyle/>
           <a:p>
             <a:r>
-              <a:rPr lang="en-US" dirty="0" smtClean="0"/>
+              <a:rPr lang="en-US" dirty="0"/>
               <a:t>…create with geometry</a:t>
             </a:r>
-            <a:endParaRPr lang="en-US" dirty="0"/>
           </a:p>
         </p:txBody>
       </p:sp>
@@ -7517,52 +7360,52 @@
           <a:lstStyle/>
           <a:p>
             <a:r>
-              <a:rPr lang="en-US" dirty="0" smtClean="0"/>
+              <a:rPr lang="en-US" dirty="0"/>
               <a:t>Play with geometry (stacked filters)</a:t>
             </a:r>
           </a:p>
           <a:p>
             <a:r>
-              <a:rPr lang="en-US" dirty="0" smtClean="0"/>
+              <a:rPr lang="en-US" dirty="0"/>
               <a:t>As scales change the optimal geometry can change radically (flocculators that switch from vertical to horizontal to pipes )</a:t>
             </a:r>
           </a:p>
           <a:p>
             <a:r>
-              <a:rPr lang="en-US" dirty="0" smtClean="0"/>
+              <a:rPr lang="en-US" dirty="0"/>
               <a:t>Ask what happens if we </a:t>
             </a:r>
           </a:p>
           <a:p>
             <a:pPr lvl="1"/>
             <a:r>
-              <a:rPr lang="en-US" dirty="0" smtClean="0"/>
+              <a:rPr lang="en-US" dirty="0"/>
               <a:t>Turn this 90 degrees </a:t>
             </a:r>
           </a:p>
           <a:p>
             <a:pPr lvl="1"/>
             <a:r>
-              <a:rPr lang="en-US" dirty="0" smtClean="0"/>
+              <a:rPr lang="en-US" dirty="0"/>
               <a:t>Rotate this so it lines up with the plate settlers</a:t>
             </a:r>
           </a:p>
           <a:p>
             <a:pPr lvl="1"/>
             <a:r>
-              <a:rPr lang="en-US" dirty="0" smtClean="0"/>
+              <a:rPr lang="en-US" dirty="0"/>
               <a:t>Try a different layout</a:t>
             </a:r>
           </a:p>
           <a:p>
             <a:r>
-              <a:rPr lang="en-US" dirty="0" smtClean="0"/>
+              <a:rPr lang="en-US" dirty="0"/>
               <a:t>Select the simple solutions</a:t>
             </a:r>
           </a:p>
           <a:p>
             <a:pPr lvl="1"/>
-            <a:endParaRPr lang="en-US" dirty="0" smtClean="0"/>
+            <a:endParaRPr lang="en-US" dirty="0"/>
           </a:p>
           <a:p>
             <a:pPr lvl="1"/>
@@ -7578,13 +7421,6 @@
   <p:transition>
     <p:fade/>
   </p:transition>
-  <p:timing>
-    <p:tnLst>
-      <p:par>
-        <p:cTn id="1" dur="indefinite" restart="never" nodeType="tmRoot"/>
-      </p:par>
-    </p:tnLst>
-  </p:timing>
 </p:sld>
 </file>
 
@@ -7621,10 +7457,9 @@
           <a:lstStyle/>
           <a:p>
             <a:r>
-              <a:rPr lang="en-US" dirty="0" smtClean="0"/>
+              <a:rPr lang="en-US" dirty="0"/>
               <a:t>…use tools</a:t>
             </a:r>
-            <a:endParaRPr lang="en-US" dirty="0"/>
           </a:p>
         </p:txBody>
       </p:sp>
@@ -7644,24 +7479,23 @@
           <a:lstStyle/>
           <a:p>
             <a:r>
-              <a:rPr lang="en-US" dirty="0" smtClean="0"/>
+              <a:rPr lang="en-US" dirty="0"/>
               <a:t>Use the </a:t>
             </a:r>
             <a:r>
-              <a:rPr lang="en-US" dirty="0" err="1" smtClean="0"/>
+              <a:rPr lang="en-US" dirty="0" err="1"/>
               <a:t>aguaclara</a:t>
             </a:r>
             <a:r>
-              <a:rPr lang="en-US" dirty="0" smtClean="0"/>
+              <a:rPr lang="en-US" dirty="0"/>
               <a:t> code as needed. No need to recreate the code. </a:t>
             </a:r>
           </a:p>
           <a:p>
             <a:r>
-              <a:rPr lang="en-US" dirty="0" smtClean="0"/>
+              <a:rPr lang="en-US" dirty="0"/>
               <a:t>Investigate what others have done to solve similar problems</a:t>
             </a:r>
-            <a:endParaRPr lang="en-US" dirty="0"/>
           </a:p>
         </p:txBody>
       </p:sp>
@@ -7673,13 +7507,6 @@
   <p:transition>
     <p:fade/>
   </p:transition>
-  <p:timing>
-    <p:tnLst>
-      <p:par>
-        <p:cTn id="1" dur="indefinite" restart="never" nodeType="tmRoot"/>
-      </p:par>
-    </p:tnLst>
-  </p:timing>
 </p:sld>
 </file>
 
@@ -7716,18 +7543,17 @@
           <a:lstStyle/>
           <a:p>
             <a:r>
-              <a:rPr lang="en-US" dirty="0" smtClean="0"/>
+              <a:rPr lang="en-US" dirty="0"/>
               <a:t>…write in a </a:t>
             </a:r>
             <a:r>
-              <a:rPr lang="en-US" dirty="0" err="1" smtClean="0"/>
+              <a:rPr lang="en-US" dirty="0" err="1"/>
               <a:t>Colab</a:t>
             </a:r>
             <a:r>
-              <a:rPr lang="en-US" dirty="0" smtClean="0"/>
+              <a:rPr lang="en-US" dirty="0"/>
               <a:t> Notebook</a:t>
             </a:r>
-            <a:endParaRPr lang="en-US" dirty="0"/>
           </a:p>
         </p:txBody>
       </p:sp>
@@ -7747,40 +7573,32 @@
           <a:lstStyle/>
           <a:p>
             <a:r>
-              <a:rPr lang="en-US" dirty="0" smtClean="0"/>
+              <a:rPr lang="en-US" dirty="0"/>
               <a:t>Craft a report that can be read from top to bottom</a:t>
             </a:r>
           </a:p>
           <a:p>
             <a:r>
-              <a:rPr lang="en-US" dirty="0" smtClean="0"/>
+              <a:rPr lang="en-US" dirty="0"/>
               <a:t>Include sketches, equations, comparisons</a:t>
             </a:r>
           </a:p>
           <a:p>
             <a:r>
-              <a:rPr lang="en-US" dirty="0" smtClean="0"/>
+              <a:rPr lang="en-US" dirty="0"/>
               <a:t>Spell check</a:t>
             </a:r>
           </a:p>
           <a:p>
             <a:r>
-              <a:rPr lang="en-US" dirty="0" smtClean="0"/>
+              <a:rPr lang="en-US" dirty="0"/>
               <a:t>Proofread the entire document before submission</a:t>
             </a:r>
           </a:p>
           <a:p>
             <a:r>
-              <a:rPr lang="en-US" dirty="0" smtClean="0"/>
-              <a:t>Explain </a:t>
-            </a:r>
-            <a:r>
-              <a:rPr lang="en-US" dirty="0"/>
-              <a:t>your solution steps from objectives to constraints to algorithms to dimensions to </a:t>
-            </a:r>
-            <a:r>
-              <a:rPr lang="en-US" dirty="0" smtClean="0"/>
-              <a:t>layout</a:t>
+              <a:rPr lang="en-US" dirty="0"/>
+              <a:t>Explain your solution steps from objectives to constraints to algorithms to dimensions to layout</a:t>
             </a:r>
           </a:p>
           <a:p>
@@ -7796,13 +7614,6 @@
   <p:transition>
     <p:fade/>
   </p:transition>
-  <p:timing>
-    <p:tnLst>
-      <p:par>
-        <p:cTn id="1" dur="indefinite" restart="never" nodeType="tmRoot"/>
-      </p:par>
-    </p:tnLst>
-  </p:timing>
 </p:sld>
 </file>
 
@@ -7839,10 +7650,9 @@
           <a:lstStyle/>
           <a:p>
             <a:r>
-              <a:rPr lang="en-US" dirty="0" smtClean="0"/>
+              <a:rPr lang="en-US" dirty="0"/>
               <a:t>History of Projects</a:t>
             </a:r>
-            <a:endParaRPr lang="en-US" dirty="0"/>
           </a:p>
         </p:txBody>
       </p:sp>
@@ -7862,79 +7672,79 @@
           <a:lstStyle/>
           <a:p>
             <a:r>
-              <a:rPr lang="en-US" sz="2800" dirty="0" smtClean="0"/>
+              <a:rPr lang="en-US" sz="2800" dirty="0"/>
               <a:t>Historically the ideas from Capstone design projects have moved into the AguaClara Design Engine or became research projects</a:t>
             </a:r>
           </a:p>
           <a:p>
             <a:pPr lvl="1"/>
             <a:r>
-              <a:rPr lang="en-US" sz="2400" dirty="0" smtClean="0"/>
+              <a:rPr lang="en-US" sz="2400" dirty="0"/>
               <a:t>Flow controller – dose controller</a:t>
             </a:r>
           </a:p>
           <a:p>
             <a:pPr lvl="1"/>
             <a:r>
-              <a:rPr lang="en-US" sz="2400" dirty="0" smtClean="0"/>
+              <a:rPr lang="en-US" sz="2400" dirty="0"/>
               <a:t>Vertical flow flocculator design</a:t>
             </a:r>
           </a:p>
           <a:p>
             <a:pPr lvl="1"/>
             <a:r>
-              <a:rPr lang="en-US" sz="2400" dirty="0" smtClean="0"/>
+              <a:rPr lang="en-US" sz="2400" dirty="0"/>
               <a:t>Economic analysis of flocculator channel width</a:t>
             </a:r>
           </a:p>
           <a:p>
             <a:pPr lvl="1"/>
             <a:r>
-              <a:rPr lang="en-US" sz="2400" dirty="0" smtClean="0"/>
+              <a:rPr lang="en-US" sz="2400" dirty="0"/>
               <a:t>Arsenic removal</a:t>
             </a:r>
           </a:p>
           <a:p>
             <a:pPr lvl="1"/>
             <a:r>
-              <a:rPr lang="en-US" sz="2400" dirty="0" smtClean="0"/>
+              <a:rPr lang="en-US" sz="2400" dirty="0"/>
               <a:t>Small (1 L/s)  and large (1000 L/s) plants</a:t>
             </a:r>
           </a:p>
           <a:p>
             <a:pPr lvl="1"/>
             <a:r>
-              <a:rPr lang="en-US" sz="2400" dirty="0" smtClean="0"/>
+              <a:rPr lang="en-US" sz="2400" dirty="0"/>
               <a:t>Chlorinators</a:t>
             </a:r>
           </a:p>
           <a:p>
             <a:pPr lvl="1"/>
             <a:r>
-              <a:rPr lang="en-US" sz="2400" dirty="0" smtClean="0"/>
+              <a:rPr lang="en-US" sz="2400" dirty="0"/>
               <a:t>Enclosed </a:t>
             </a:r>
             <a:r>
-              <a:rPr lang="en-US" sz="2400" dirty="0" err="1" smtClean="0"/>
+              <a:rPr lang="en-US" sz="2400" dirty="0" err="1"/>
               <a:t>StaRS</a:t>
             </a:r>
             <a:r>
-              <a:rPr lang="en-US" sz="2400" dirty="0" smtClean="0"/>
+              <a:rPr lang="en-US" sz="2400" dirty="0"/>
               <a:t> Filters</a:t>
             </a:r>
           </a:p>
           <a:p>
             <a:pPr lvl="1"/>
             <a:r>
-              <a:rPr lang="en-US" sz="2400" dirty="0" smtClean="0"/>
+              <a:rPr lang="en-US" sz="2400" dirty="0"/>
               <a:t>New inlet system for </a:t>
             </a:r>
             <a:r>
-              <a:rPr lang="en-US" sz="2400" dirty="0" err="1" smtClean="0"/>
+              <a:rPr lang="en-US" sz="2400" dirty="0" err="1"/>
               <a:t>StaRS</a:t>
             </a:r>
             <a:r>
-              <a:rPr lang="en-US" sz="2400" dirty="0" smtClean="0"/>
+              <a:rPr lang="en-US" sz="2400" dirty="0"/>
               <a:t> Filters</a:t>
             </a:r>
           </a:p>
@@ -7956,13 +7766,6 @@
   <p:transition>
     <p:fade/>
   </p:transition>
-  <p:timing>
-    <p:tnLst>
-      <p:par>
-        <p:cTn id="1" dur="indefinite" restart="never" nodeType="tmRoot"/>
-      </p:par>
-    </p:tnLst>
-  </p:timing>
 </p:sld>
 </file>
 
@@ -7999,7 +7802,7 @@
           <a:lstStyle/>
           <a:p>
             <a:r>
-              <a:rPr lang="en-US" dirty="0" smtClean="0">
+              <a:rPr lang="en-US" dirty="0">
                 <a:hlinkClick r:id="rId2"/>
               </a:rPr>
               <a:t>Project Ideas</a:t>
@@ -8025,41 +7828,25 @@
           <a:p>
             <a:r>
               <a:rPr lang="en-US" sz="2400" dirty="0"/>
-              <a:t>Water Treatment Plant Designs for specific </a:t>
-            </a:r>
-            <a:r>
-              <a:rPr lang="en-US" sz="2400" dirty="0" smtClean="0"/>
-              <a:t>communities</a:t>
+              <a:t>Water Treatment Plant Designs for specific communities</a:t>
             </a:r>
           </a:p>
           <a:p>
             <a:r>
               <a:rPr lang="en-US" sz="2400" dirty="0"/>
-              <a:t>Residuals </a:t>
-            </a:r>
-            <a:r>
-              <a:rPr lang="en-US" sz="2400" dirty="0" smtClean="0"/>
-              <a:t>management</a:t>
+              <a:t>Residuals management</a:t>
             </a:r>
           </a:p>
           <a:p>
             <a:r>
               <a:rPr lang="en-US" sz="2400" dirty="0"/>
-              <a:t>Improved Entrance </a:t>
-            </a:r>
-            <a:r>
-              <a:rPr lang="en-US" sz="2400" dirty="0" smtClean="0"/>
-              <a:t>Tank</a:t>
+              <a:t>Improved Entrance Tank</a:t>
             </a:r>
           </a:p>
           <a:p>
             <a:r>
               <a:rPr lang="en-US" sz="2400" dirty="0"/>
-              <a:t>High flow </a:t>
-            </a:r>
-            <a:r>
-              <a:rPr lang="en-US" sz="2400" dirty="0" smtClean="0"/>
-              <a:t>Chemical Dose Controller</a:t>
+              <a:t>High flow Chemical Dose Controller</a:t>
             </a:r>
           </a:p>
           <a:p>
@@ -8068,51 +7855,38 @@
               <a:t>180+ L/s </a:t>
             </a:r>
             <a:r>
-              <a:rPr lang="en-US" sz="2400" dirty="0" err="1" smtClean="0"/>
+              <a:rPr lang="en-US" sz="2400" dirty="0" err="1"/>
               <a:t>Flocculator</a:t>
             </a:r>
-            <a:endParaRPr lang="en-US" sz="2400" dirty="0" smtClean="0"/>
-          </a:p>
-          <a:p>
-            <a:r>
-              <a:rPr lang="en-US" sz="2400" dirty="0" smtClean="0"/>
-              <a:t>100</a:t>
-            </a:r>
+            <a:endParaRPr lang="en-US" sz="2400" dirty="0"/>
+          </a:p>
+          <a:p>
             <a:r>
               <a:rPr lang="en-US" sz="2400" dirty="0"/>
-              <a:t>+ L/s </a:t>
-            </a:r>
-            <a:r>
-              <a:rPr lang="en-US" sz="2400" dirty="0" smtClean="0"/>
-              <a:t>Sedimentation Tank</a:t>
-            </a:r>
-            <a:endParaRPr lang="en-US" sz="2400" dirty="0"/>
+              <a:t>100+ L/s Sedimentation Tank</a:t>
+            </a:r>
           </a:p>
           <a:p>
             <a:r>
               <a:rPr lang="en-US" sz="2400" dirty="0"/>
-              <a:t>Plant layout for 480 </a:t>
-            </a:r>
-            <a:r>
-              <a:rPr lang="en-US" sz="2400" dirty="0" smtClean="0"/>
-              <a:t>L/s</a:t>
-            </a:r>
-          </a:p>
-          <a:p>
-            <a:r>
-              <a:rPr lang="en-US" sz="2400" dirty="0" smtClean="0"/>
+              <a:t>Plant layout for 480 L/s</a:t>
+            </a:r>
+          </a:p>
+          <a:p>
+            <a:r>
+              <a:rPr lang="en-US" sz="2400" dirty="0"/>
               <a:t>Pesticide removal with activated carbon</a:t>
             </a:r>
           </a:p>
           <a:p>
             <a:r>
-              <a:rPr lang="en-US" sz="2400" dirty="0" smtClean="0"/>
+              <a:rPr lang="en-US" sz="2400" dirty="0"/>
               <a:t>UV disinfection</a:t>
             </a:r>
           </a:p>
           <a:p>
             <a:r>
-              <a:rPr lang="en-US" sz="2400" dirty="0" smtClean="0"/>
+              <a:rPr lang="en-US" sz="2400" dirty="0"/>
               <a:t>AguaClara on a skid</a:t>
             </a:r>
           </a:p>
@@ -8168,13 +7942,8 @@
           <a:p>
             <a:r>
               <a:rPr lang="en-US" dirty="0"/>
-              <a:t>The opportunities for learning new things are </a:t>
-            </a:r>
-            <a:r>
-              <a:rPr lang="en-US" dirty="0" smtClean="0"/>
-              <a:t>incredible</a:t>
-            </a:r>
-            <a:endParaRPr lang="en-US" dirty="0"/>
+              <a:t>The opportunities for learning new things are incredible</a:t>
+            </a:r>
           </a:p>
         </p:txBody>
       </p:sp>
@@ -8194,25 +7963,25 @@
           <a:lstStyle/>
           <a:p>
             <a:r>
-              <a:rPr lang="en-US" dirty="0" smtClean="0"/>
+              <a:rPr lang="en-US" dirty="0"/>
               <a:t>It is a very short walk to the edge of knowledge</a:t>
             </a:r>
           </a:p>
           <a:p>
             <a:r>
-              <a:rPr lang="en-US" dirty="0" smtClean="0"/>
+              <a:rPr lang="en-US" dirty="0"/>
               <a:t>There is always potential for evolution in theory, design, and practice</a:t>
             </a:r>
           </a:p>
           <a:p>
             <a:r>
-              <a:rPr lang="en-US" dirty="0" smtClean="0"/>
+              <a:rPr lang="en-US" dirty="0"/>
               <a:t>Evolution doesn’t necessarily take you to the best solution!</a:t>
             </a:r>
           </a:p>
           <a:p>
             <a:pPr lvl="1"/>
-            <a:endParaRPr lang="en-US" dirty="0" smtClean="0"/>
+            <a:endParaRPr lang="en-US" dirty="0"/>
           </a:p>
         </p:txBody>
       </p:sp>
@@ -8229,13 +7998,6 @@
   <p:transition>
     <p:fade/>
   </p:transition>
-  <p:timing>
-    <p:tnLst>
-      <p:par>
-        <p:cTn id="1" dur="indefinite" restart="never" nodeType="tmRoot"/>
-      </p:par>
-    </p:tnLst>
-  </p:timing>
 </p:sld>
 </file>
 
@@ -8272,10 +8034,9 @@
           <a:lstStyle/>
           <a:p>
             <a:r>
-              <a:rPr lang="en-US" sz="3600" dirty="0" smtClean="0"/>
+              <a:rPr lang="en-US" sz="3600" dirty="0"/>
               <a:t>Major improvements to water treatment technologies are still possible! </a:t>
             </a:r>
-            <a:endParaRPr lang="en-US" sz="3600" dirty="0"/>
           </a:p>
         </p:txBody>
       </p:sp>
@@ -8302,83 +8063,83 @@
           <a:p>
             <a:pPr lvl="1"/>
             <a:r>
-              <a:rPr lang="en-US" dirty="0" smtClean="0"/>
+              <a:rPr lang="en-US" dirty="0"/>
               <a:t>Dose controller</a:t>
             </a:r>
           </a:p>
           <a:p>
             <a:pPr lvl="1"/>
             <a:r>
-              <a:rPr lang="en-US" dirty="0" smtClean="0"/>
+              <a:rPr lang="en-US" dirty="0"/>
               <a:t>Stacked rapid sand filters</a:t>
             </a:r>
           </a:p>
           <a:p>
             <a:r>
-              <a:rPr lang="en-US" dirty="0" smtClean="0"/>
+              <a:rPr lang="en-US" dirty="0"/>
               <a:t>Dramatic changes in design targets (</a:t>
             </a:r>
             <a:r>
-              <a:rPr lang="en-US" dirty="0" err="1" smtClean="0"/>
+              <a:rPr lang="en-US" dirty="0" err="1"/>
               <a:t>W</a:t>
             </a:r>
             <a:r>
-              <a:rPr lang="en-US" baseline="-25000" dirty="0" err="1" smtClean="0"/>
+              <a:rPr lang="en-US" baseline="-25000" dirty="0" err="1"/>
               <a:t>Sed</a:t>
             </a:r>
             <a:r>
-              <a:rPr lang="en-US" dirty="0" smtClean="0"/>
+              <a:rPr lang="en-US" dirty="0"/>
               <a:t>, </a:t>
             </a:r>
             <a:r>
-              <a:rPr lang="en-US" dirty="0" err="1" smtClean="0"/>
+              <a:rPr lang="en-US" dirty="0" err="1"/>
               <a:t>V</a:t>
             </a:r>
             <a:r>
-              <a:rPr lang="en-US" baseline="-25000" dirty="0" err="1" smtClean="0"/>
+              <a:rPr lang="en-US" baseline="-25000" dirty="0" err="1"/>
               <a:t>Sedup</a:t>
             </a:r>
             <a:r>
-              <a:rPr lang="en-US" dirty="0" smtClean="0"/>
+              <a:rPr lang="en-US" dirty="0"/>
               <a:t>, </a:t>
             </a:r>
             <a:r>
-              <a:rPr lang="en-US" dirty="0" err="1" smtClean="0"/>
+              <a:rPr lang="en-US" dirty="0" err="1"/>
               <a:t>V</a:t>
             </a:r>
             <a:r>
-              <a:rPr lang="en-US" baseline="-25000" dirty="0" err="1" smtClean="0"/>
+              <a:rPr lang="en-US" baseline="-25000" dirty="0" err="1"/>
               <a:t>c</a:t>
             </a:r>
             <a:r>
-              <a:rPr lang="en-US" dirty="0" smtClean="0"/>
+              <a:rPr lang="en-US" dirty="0"/>
               <a:t>, </a:t>
             </a:r>
             <a:r>
-              <a:rPr lang="en-US" dirty="0" err="1" smtClean="0">
+              <a:rPr lang="en-US" dirty="0" err="1">
                 <a:ea typeface="SimHei" pitchFamily="49" charset="-122"/>
               </a:rPr>
               <a:t>G</a:t>
             </a:r>
             <a:r>
-              <a:rPr lang="en-US" baseline="-25000" dirty="0" err="1" smtClean="0"/>
+              <a:rPr lang="en-US" baseline="-25000" dirty="0" err="1"/>
               <a:t>Floc</a:t>
             </a:r>
             <a:r>
-              <a:rPr lang="en-US" dirty="0" smtClean="0"/>
+              <a:rPr lang="en-US" dirty="0"/>
               <a:t>, depth of floc blanket)</a:t>
             </a:r>
           </a:p>
           <a:p>
             <a:r>
-              <a:rPr lang="en-US" dirty="0" smtClean="0"/>
+              <a:rPr lang="en-US" dirty="0"/>
               <a:t>Try extreme conditions and learn what fails or perhaps find unexpected success!</a:t>
             </a:r>
           </a:p>
           <a:p>
             <a:pPr lvl="1"/>
             <a:r>
-              <a:rPr lang="en-US" dirty="0" smtClean="0"/>
+              <a:rPr lang="en-US" dirty="0"/>
               <a:t>Settlers and diffusers!</a:t>
             </a:r>
           </a:p>
@@ -8397,13 +8158,6 @@
   <p:transition>
     <p:fade/>
   </p:transition>
-  <p:timing>
-    <p:tnLst>
-      <p:par>
-        <p:cTn id="1" dur="indefinite" restart="never" nodeType="tmRoot"/>
-      </p:par>
-    </p:tnLst>
-  </p:timing>
 </p:sld>
 </file>
 
@@ -8440,10 +8194,9 @@
           <a:lstStyle/>
           <a:p>
             <a:r>
-              <a:rPr lang="en-US" dirty="0" smtClean="0"/>
+              <a:rPr lang="en-US" dirty="0"/>
               <a:t>Invention are born in a context</a:t>
             </a:r>
-            <a:endParaRPr lang="en-US" dirty="0"/>
           </a:p>
         </p:txBody>
       </p:sp>
@@ -8463,22 +8216,21 @@
           <a:lstStyle/>
           <a:p>
             <a:r>
-              <a:rPr lang="en-US" dirty="0" smtClean="0"/>
+              <a:rPr lang="en-US" dirty="0"/>
               <a:t>I never perfected an invention that I did not think about in terms of the service it might give others...I find out what the world needs, then I proceed to invent it. -Thomas Edison</a:t>
             </a:r>
           </a:p>
           <a:p>
             <a:r>
-              <a:rPr lang="en-US" dirty="0" smtClean="0"/>
+              <a:rPr lang="en-US" dirty="0"/>
               <a:t>Learn the history and current state of the technology</a:t>
             </a:r>
           </a:p>
           <a:p>
             <a:r>
-              <a:rPr lang="en-US" dirty="0" smtClean="0"/>
+              <a:rPr lang="en-US" dirty="0"/>
               <a:t>Then question it all and proceed to Invent</a:t>
             </a:r>
-            <a:endParaRPr lang="en-US" dirty="0"/>
           </a:p>
         </p:txBody>
       </p:sp>
@@ -8495,13 +8247,6 @@
   <p:transition>
     <p:fade/>
   </p:transition>
-  <p:timing>
-    <p:tnLst>
-      <p:par>
-        <p:cTn id="1" dur="indefinite" restart="never" nodeType="tmRoot"/>
-      </p:par>
-    </p:tnLst>
-  </p:timing>
 </p:sld>
 </file>
 
@@ -8538,10 +8283,9 @@
           <a:lstStyle/>
           <a:p>
             <a:r>
-              <a:rPr lang="en-US" dirty="0" smtClean="0"/>
+              <a:rPr lang="en-US" dirty="0"/>
               <a:t>Innovators Build Bridges between Networks</a:t>
             </a:r>
-            <a:endParaRPr lang="en-US" dirty="0"/>
           </a:p>
         </p:txBody>
       </p:sp>
@@ -8561,37 +8305,37 @@
           <a:lstStyle/>
           <a:p>
             <a:r>
-              <a:rPr lang="en-US" dirty="0" smtClean="0"/>
+              <a:rPr lang="en-US" dirty="0"/>
               <a:t>Make connections with completely different networks</a:t>
             </a:r>
           </a:p>
           <a:p>
             <a:pPr lvl="1"/>
             <a:r>
-              <a:rPr lang="en-US" dirty="0" smtClean="0"/>
+              <a:rPr lang="en-US" dirty="0"/>
               <a:t>Get outside your social class, your country, your business, your university</a:t>
             </a:r>
           </a:p>
           <a:p>
             <a:pPr lvl="1"/>
             <a:r>
-              <a:rPr lang="en-US" dirty="0" smtClean="0"/>
+              <a:rPr lang="en-US" dirty="0"/>
               <a:t>Get diverse experiences, take things apart, experiment, fail, </a:t>
             </a:r>
             <a:r>
-              <a:rPr lang="en-US" b="1" dirty="0" smtClean="0"/>
+              <a:rPr lang="en-US" b="1" dirty="0"/>
               <a:t>observe…</a:t>
             </a:r>
           </a:p>
           <a:p>
             <a:r>
-              <a:rPr lang="en-US" b="1" dirty="0" smtClean="0"/>
+              <a:rPr lang="en-US" b="1" dirty="0"/>
               <a:t>Flocculate Ideas!</a:t>
             </a:r>
           </a:p>
           <a:p>
             <a:r>
-              <a:rPr lang="en-US" b="1" dirty="0" smtClean="0"/>
+              <a:rPr lang="en-US" b="1" dirty="0"/>
               <a:t>Be a node!</a:t>
             </a:r>
           </a:p>
@@ -9063,10 +8807,9 @@
           <a:lstStyle/>
           <a:p>
             <a:r>
-              <a:rPr lang="en-US" dirty="0" smtClean="0"/>
+              <a:rPr lang="en-US" dirty="0"/>
               <a:t>What kind of an Engineer are you?</a:t>
             </a:r>
-            <a:endParaRPr lang="en-US" dirty="0"/>
           </a:p>
         </p:txBody>
       </p:sp>
@@ -9086,31 +8829,31 @@
           <a:lstStyle/>
           <a:p>
             <a:r>
-              <a:rPr lang="en-US" dirty="0" smtClean="0"/>
+              <a:rPr lang="en-US" dirty="0"/>
               <a:t>Good at using Google?</a:t>
             </a:r>
           </a:p>
           <a:p>
             <a:r>
-              <a:rPr lang="en-US" dirty="0" smtClean="0"/>
+              <a:rPr lang="en-US" dirty="0"/>
               <a:t>Satisfied with making one design at a time?</a:t>
             </a:r>
           </a:p>
           <a:p>
             <a:r>
-              <a:rPr lang="en-US" dirty="0" smtClean="0"/>
+              <a:rPr lang="en-US" dirty="0"/>
               <a:t>Able to think about the context and create new solutions and new algorithms?</a:t>
             </a:r>
           </a:p>
           <a:p>
             <a:r>
-              <a:rPr lang="en-US" dirty="0" smtClean="0"/>
+              <a:rPr lang="en-US" dirty="0"/>
               <a:t>Able to generalize the problem and the solution</a:t>
             </a:r>
           </a:p>
           <a:p>
             <a:r>
-              <a:rPr lang="en-US" dirty="0" smtClean="0"/>
+              <a:rPr lang="en-US" dirty="0"/>
               <a:t>Intrigued by the possibility of creating new systems (and jigs)?</a:t>
             </a:r>
           </a:p>
@@ -9142,18 +8885,13 @@
           <a:lstStyle/>
           <a:p>
             <a:r>
-              <a:rPr lang="en-US" sz="2400" b="0" dirty="0" smtClean="0">
+              <a:rPr lang="en-US" sz="2400" b="0" dirty="0">
                 <a:solidFill>
                   <a:schemeClr val="accent4"/>
                 </a:solidFill>
               </a:rPr>
               <a:t>Did you need Cornell for this?</a:t>
             </a:r>
-            <a:endParaRPr lang="en-US" sz="2400" b="0" dirty="0">
-              <a:solidFill>
-                <a:schemeClr val="accent4"/>
-              </a:solidFill>
-            </a:endParaRPr>
           </a:p>
         </p:txBody>
       </p:sp>
@@ -9498,9 +9236,9 @@
 </file>
 
 <file path=ppt/theme/theme1.xml><?xml version="1.0" encoding="utf-8"?>
-<a:theme xmlns:a="http://schemas.openxmlformats.org/drawingml/2006/main" name="Lecture 4540 2016">
+<a:theme xmlns:a="http://schemas.openxmlformats.org/drawingml/2006/main" name="SWOT 2021">
   <a:themeElements>
-    <a:clrScheme name="Classroom">
+    <a:clrScheme name="present colors">
       <a:dk1>
         <a:srgbClr val="000000"/>
       </a:dk1>
@@ -9925,6 +9663,11 @@
       <a:clrMap bg1="lt1" tx1="dk1" bg2="lt2" tx2="dk2" accent1="accent1" accent2="accent2" accent3="accent3" accent4="accent4" accent5="accent5" accent6="accent6" hlink="hlink" folHlink="folHlink"/>
     </a:extraClrScheme>
   </a:extraClrSchemeLst>
+  <a:extLst>
+    <a:ext uri="{05A4C25C-085E-4340-85A3-A5531E510DB2}">
+      <thm15:themeFamily xmlns:thm15="http://schemas.microsoft.com/office/thememl/2012/main" name="SWOT 2021" id="{306B4164-DC53-4581-8FA2-40B7F9389F30}" vid="{98F8E750-724B-47D5-9A8C-6ABDA1DBFED5}"/>
+    </a:ext>
+  </a:extLst>
 </a:theme>
 </file>
 

--- a/Design Projects.pptx
+++ b/Design Projects.pptx
@@ -5,10 +5,10 @@
     <p:sldMasterId id="2147483877" r:id="rId1"/>
   </p:sldMasterIdLst>
   <p:notesMasterIdLst>
-    <p:notesMasterId r:id="rId26"/>
+    <p:notesMasterId r:id="rId25"/>
   </p:notesMasterIdLst>
   <p:handoutMasterIdLst>
-    <p:handoutMasterId r:id="rId27"/>
+    <p:handoutMasterId r:id="rId26"/>
   </p:handoutMasterIdLst>
   <p:sldIdLst>
     <p:sldId id="319" r:id="rId2"/>
@@ -27,24 +27,23 @@
     <p:sldId id="288" r:id="rId15"/>
     <p:sldId id="289" r:id="rId16"/>
     <p:sldId id="294" r:id="rId17"/>
-    <p:sldId id="257" r:id="rId18"/>
-    <p:sldId id="295" r:id="rId19"/>
-    <p:sldId id="266" r:id="rId20"/>
-    <p:sldId id="277" r:id="rId21"/>
-    <p:sldId id="268" r:id="rId22"/>
-    <p:sldId id="258" r:id="rId23"/>
-    <p:sldId id="269" r:id="rId24"/>
-    <p:sldId id="270" r:id="rId25"/>
+    <p:sldId id="295" r:id="rId18"/>
+    <p:sldId id="266" r:id="rId19"/>
+    <p:sldId id="277" r:id="rId20"/>
+    <p:sldId id="268" r:id="rId21"/>
+    <p:sldId id="258" r:id="rId22"/>
+    <p:sldId id="269" r:id="rId23"/>
+    <p:sldId id="270" r:id="rId24"/>
   </p:sldIdLst>
   <p:sldSz cx="12192000" cy="6858000"/>
   <p:notesSz cx="6858000" cy="9296400"/>
   <p:embeddedFontLst>
     <p:embeddedFont>
       <p:font typeface="Candara" panose="020E0502030303020204" pitchFamily="34" charset="0"/>
-      <p:regular r:id="rId28"/>
-      <p:bold r:id="rId29"/>
-      <p:italic r:id="rId30"/>
-      <p:boldItalic r:id="rId31"/>
+      <p:regular r:id="rId27"/>
+      <p:bold r:id="rId28"/>
+      <p:italic r:id="rId29"/>
+      <p:boldItalic r:id="rId30"/>
     </p:embeddedFont>
   </p:embeddedFontLst>
   <p:defaultTextStyle>
@@ -1598,7 +1597,7 @@
             <a:fld id="{68131A24-38D8-4CC5-9E6E-A126B09286EB}" type="slidenum">
               <a:rPr lang="en-US" smtClean="0"/>
               <a:pPr/>
-              <a:t>22</a:t>
+              <a:t>21</a:t>
             </a:fld>
             <a:endParaRPr lang="en-US"/>
           </a:p>
@@ -6024,320 +6023,6 @@
           <a:p>
             <a:r>
               <a:rPr lang="en-US" dirty="0"/>
-              <a:t>What is Intelligent Design?</a:t>
-            </a:r>
-          </a:p>
-        </p:txBody>
-      </p:sp>
-      <p:sp>
-        <p:nvSpPr>
-          <p:cNvPr id="3" name="Content Placeholder 2"/>
-          <p:cNvSpPr>
-            <a:spLocks noGrp="1"/>
-          </p:cNvSpPr>
-          <p:nvPr>
-            <p:ph idx="1"/>
-          </p:nvPr>
-        </p:nvSpPr>
-        <p:spPr>
-          <a:xfrm>
-            <a:off x="457199" y="1600200"/>
-            <a:ext cx="8333117" cy="4525963"/>
-          </a:xfrm>
-        </p:spPr>
-        <p:txBody>
-          <a:bodyPr/>
-          <a:lstStyle/>
-          <a:p>
-            <a:r>
-              <a:rPr lang="en-US" dirty="0"/>
-              <a:t>Identify the </a:t>
-            </a:r>
-            <a:r>
-              <a:rPr lang="en-US" b="1" dirty="0">
-                <a:solidFill>
-                  <a:schemeClr val="accent1"/>
-                </a:solidFill>
-              </a:rPr>
-              <a:t>O</a:t>
-            </a:r>
-            <a:r>
-              <a:rPr lang="en-US" dirty="0">
-                <a:solidFill>
-                  <a:schemeClr val="accent1"/>
-                </a:solidFill>
-              </a:rPr>
-              <a:t>bjectives</a:t>
-            </a:r>
-            <a:endParaRPr lang="en-US" dirty="0"/>
-          </a:p>
-          <a:p>
-            <a:r>
-              <a:rPr lang="en-US" dirty="0"/>
-              <a:t>Identifying the correct </a:t>
-            </a:r>
-            <a:r>
-              <a:rPr lang="en-US" b="1" u="sng" dirty="0">
-                <a:solidFill>
-                  <a:schemeClr val="accent1"/>
-                </a:solidFill>
-              </a:rPr>
-              <a:t>C</a:t>
-            </a:r>
-            <a:r>
-              <a:rPr lang="en-US" dirty="0">
-                <a:solidFill>
-                  <a:schemeClr val="accent1"/>
-                </a:solidFill>
-              </a:rPr>
-              <a:t>onstraints</a:t>
-            </a:r>
-            <a:r>
-              <a:rPr lang="en-US" dirty="0"/>
-              <a:t> (sketch them) and create dimensionless parameters</a:t>
-            </a:r>
-          </a:p>
-          <a:p>
-            <a:r>
-              <a:rPr lang="en-US" dirty="0"/>
-              <a:t>Creating the best </a:t>
-            </a:r>
-            <a:r>
-              <a:rPr lang="en-US" b="1" u="sng" dirty="0">
-                <a:solidFill>
-                  <a:schemeClr val="accent1"/>
-                </a:solidFill>
-              </a:rPr>
-              <a:t>A</a:t>
-            </a:r>
-            <a:r>
-              <a:rPr lang="en-US" dirty="0">
-                <a:solidFill>
-                  <a:schemeClr val="accent1"/>
-                </a:solidFill>
-              </a:rPr>
-              <a:t>lgorithms</a:t>
-            </a:r>
-            <a:r>
-              <a:rPr lang="en-US" dirty="0"/>
-              <a:t> based on Physics, Constructability, Maintenance, Economics</a:t>
-            </a:r>
-          </a:p>
-          <a:p>
-            <a:r>
-              <a:rPr lang="en-US" dirty="0"/>
-              <a:t>Converting constraints into </a:t>
-            </a:r>
-            <a:r>
-              <a:rPr lang="en-US" b="1" u="sng" dirty="0">
-                <a:solidFill>
-                  <a:schemeClr val="accent1"/>
-                </a:solidFill>
-              </a:rPr>
-              <a:t>D</a:t>
-            </a:r>
-            <a:r>
-              <a:rPr lang="en-US" dirty="0">
-                <a:solidFill>
-                  <a:schemeClr val="accent1"/>
-                </a:solidFill>
-              </a:rPr>
-              <a:t>imensions</a:t>
-            </a:r>
-            <a:r>
-              <a:rPr lang="en-US" dirty="0"/>
-              <a:t> using algorithms</a:t>
-            </a:r>
-          </a:p>
-          <a:p>
-            <a:r>
-              <a:rPr lang="en-US" dirty="0"/>
-              <a:t>Convert Dimensions into </a:t>
-            </a:r>
-            <a:r>
-              <a:rPr lang="en-US" b="1" dirty="0">
-                <a:solidFill>
-                  <a:schemeClr val="accent1"/>
-                </a:solidFill>
-              </a:rPr>
-              <a:t>Layouts</a:t>
-            </a:r>
-            <a:endParaRPr lang="en-US" dirty="0">
-              <a:solidFill>
-                <a:schemeClr val="accent1"/>
-              </a:solidFill>
-            </a:endParaRPr>
-          </a:p>
-        </p:txBody>
-      </p:sp>
-      <p:sp>
-        <p:nvSpPr>
-          <p:cNvPr id="5" name="Arc 4"/>
-          <p:cNvSpPr/>
-          <p:nvPr/>
-        </p:nvSpPr>
-        <p:spPr>
-          <a:xfrm>
-            <a:off x="144379" y="2184935"/>
-            <a:ext cx="312820" cy="3941228"/>
-          </a:xfrm>
-          <a:prstGeom prst="arc">
-            <a:avLst>
-              <a:gd name="adj1" fmla="val 16200000"/>
-              <a:gd name="adj2" fmla="val 16077244"/>
-            </a:avLst>
-          </a:prstGeom>
-          <a:ln w="38100">
-            <a:headEnd type="none" w="med" len="med"/>
-            <a:tailEnd type="triangle" w="med" len="med"/>
-          </a:ln>
-        </p:spPr>
-        <p:style>
-          <a:lnRef idx="1">
-            <a:schemeClr val="accent1"/>
-          </a:lnRef>
-          <a:fillRef idx="0">
-            <a:schemeClr val="accent1"/>
-          </a:fillRef>
-          <a:effectRef idx="0">
-            <a:schemeClr val="accent1"/>
-          </a:effectRef>
-          <a:fontRef idx="minor">
-            <a:schemeClr val="tx1"/>
-          </a:fontRef>
-        </p:style>
-        <p:txBody>
-          <a:bodyPr rtlCol="0" anchor="ctr"/>
-          <a:lstStyle/>
-          <a:p>
-            <a:pPr algn="ctr"/>
-            <a:endParaRPr lang="en-US"/>
-          </a:p>
-        </p:txBody>
-      </p:sp>
-    </p:spTree>
-  </p:cSld>
-  <p:clrMapOvr>
-    <a:masterClrMapping/>
-  </p:clrMapOvr>
-  <p:transition>
-    <p:fade/>
-  </p:transition>
-  <p:timing>
-    <p:tnLst>
-      <p:par>
-        <p:cTn id="1" dur="indefinite" restart="never" nodeType="tmRoot">
-          <p:childTnLst>
-            <p:seq concurrent="1" nextAc="seek">
-              <p:cTn id="2" dur="indefinite" nodeType="mainSeq">
-                <p:childTnLst>
-                  <p:par>
-                    <p:cTn id="3" fill="hold">
-                      <p:stCondLst>
-                        <p:cond delay="indefinite"/>
-                      </p:stCondLst>
-                      <p:childTnLst>
-                        <p:par>
-                          <p:cTn id="4" fill="hold">
-                            <p:stCondLst>
-                              <p:cond delay="0"/>
-                            </p:stCondLst>
-                            <p:childTnLst>
-                              <p:par>
-                                <p:cTn id="5" presetID="1" presetClass="entr" presetSubtype="0" fill="hold" grpId="0" nodeType="clickEffect">
-                                  <p:stCondLst>
-                                    <p:cond delay="0"/>
-                                  </p:stCondLst>
-                                  <p:childTnLst>
-                                    <p:set>
-                                      <p:cBhvr>
-                                        <p:cTn id="6" dur="1" fill="hold">
-                                          <p:stCondLst>
-                                            <p:cond delay="0"/>
-                                          </p:stCondLst>
-                                        </p:cTn>
-                                        <p:tgtEl>
-                                          <p:spTgt spid="5"/>
-                                        </p:tgtEl>
-                                        <p:attrNameLst>
-                                          <p:attrName>style.visibility</p:attrName>
-                                        </p:attrNameLst>
-                                      </p:cBhvr>
-                                      <p:to>
-                                        <p:strVal val="visible"/>
-                                      </p:to>
-                                    </p:set>
-                                  </p:childTnLst>
-                                </p:cTn>
-                              </p:par>
-                            </p:childTnLst>
-                          </p:cTn>
-                        </p:par>
-                      </p:childTnLst>
-                    </p:cTn>
-                  </p:par>
-                </p:childTnLst>
-              </p:cTn>
-              <p:prevCondLst>
-                <p:cond evt="onPrev" delay="0">
-                  <p:tgtEl>
-                    <p:sldTgt/>
-                  </p:tgtEl>
-                </p:cond>
-              </p:prevCondLst>
-              <p:nextCondLst>
-                <p:cond evt="onNext" delay="0">
-                  <p:tgtEl>
-                    <p:sldTgt/>
-                  </p:tgtEl>
-                </p:cond>
-              </p:nextCondLst>
-            </p:seq>
-          </p:childTnLst>
-        </p:cTn>
-      </p:par>
-    </p:tnLst>
-    <p:bldLst>
-      <p:bldP spid="5" grpId="0" animBg="1"/>
-    </p:bldLst>
-  </p:timing>
-</p:sld>
-</file>
-
-<file path=ppt/slides/slide18.xml><?xml version="1.0" encoding="utf-8"?>
-<p:sld xmlns:a="http://schemas.openxmlformats.org/drawingml/2006/main" xmlns:r="http://schemas.openxmlformats.org/officeDocument/2006/relationships" xmlns:p="http://schemas.openxmlformats.org/presentationml/2006/main">
-  <p:cSld>
-    <p:spTree>
-      <p:nvGrpSpPr>
-        <p:cNvPr id="1" name=""/>
-        <p:cNvGrpSpPr/>
-        <p:nvPr/>
-      </p:nvGrpSpPr>
-      <p:grpSpPr>
-        <a:xfrm>
-          <a:off x="0" y="0"/>
-          <a:ext cx="0" cy="0"/>
-          <a:chOff x="0" y="0"/>
-          <a:chExt cx="0" cy="0"/>
-        </a:xfrm>
-      </p:grpSpPr>
-      <p:sp>
-        <p:nvSpPr>
-          <p:cNvPr id="2" name="Title 1"/>
-          <p:cNvSpPr>
-            <a:spLocks noGrp="1"/>
-          </p:cNvSpPr>
-          <p:nvPr>
-            <p:ph type="title"/>
-          </p:nvPr>
-        </p:nvSpPr>
-        <p:spPr/>
-        <p:txBody>
-          <a:bodyPr/>
-          <a:lstStyle/>
-          <a:p>
-            <a:r>
-              <a:rPr lang="en-US" dirty="0"/>
               <a:t>Beauty?</a:t>
             </a:r>
             <a:br>
@@ -6612,6 +6297,105 @@
 </p:sld>
 </file>
 
+<file path=ppt/slides/slide18.xml><?xml version="1.0" encoding="utf-8"?>
+<p:sld xmlns:a="http://schemas.openxmlformats.org/drawingml/2006/main" xmlns:r="http://schemas.openxmlformats.org/officeDocument/2006/relationships" xmlns:p="http://schemas.openxmlformats.org/presentationml/2006/main">
+  <p:cSld>
+    <p:spTree>
+      <p:nvGrpSpPr>
+        <p:cNvPr id="1" name=""/>
+        <p:cNvGrpSpPr/>
+        <p:nvPr/>
+      </p:nvGrpSpPr>
+      <p:grpSpPr>
+        <a:xfrm>
+          <a:off x="0" y="0"/>
+          <a:ext cx="0" cy="0"/>
+          <a:chOff x="0" y="0"/>
+          <a:chExt cx="0" cy="0"/>
+        </a:xfrm>
+      </p:grpSpPr>
+      <p:sp>
+        <p:nvSpPr>
+          <p:cNvPr id="2" name="Title 1"/>
+          <p:cNvSpPr>
+            <a:spLocks noGrp="1"/>
+          </p:cNvSpPr>
+          <p:nvPr>
+            <p:ph type="title"/>
+          </p:nvPr>
+        </p:nvSpPr>
+        <p:spPr/>
+        <p:txBody>
+          <a:bodyPr/>
+          <a:lstStyle/>
+          <a:p>
+            <a:r>
+              <a:rPr lang="en-US" dirty="0"/>
+              <a:t>Innovation</a:t>
+            </a:r>
+          </a:p>
+        </p:txBody>
+      </p:sp>
+      <p:sp>
+        <p:nvSpPr>
+          <p:cNvPr id="3" name="Content Placeholder 2"/>
+          <p:cNvSpPr>
+            <a:spLocks noGrp="1"/>
+          </p:cNvSpPr>
+          <p:nvPr>
+            <p:ph idx="1"/>
+          </p:nvPr>
+        </p:nvSpPr>
+        <p:spPr/>
+        <p:txBody>
+          <a:bodyPr/>
+          <a:lstStyle/>
+          <a:p>
+            <a:r>
+              <a:rPr lang="en-US" dirty="0"/>
+              <a:t>Ask what if we…</a:t>
+            </a:r>
+          </a:p>
+          <a:p>
+            <a:r>
+              <a:rPr lang="en-US" dirty="0"/>
+              <a:t>Requires a willingness to make mistakes</a:t>
+            </a:r>
+          </a:p>
+          <a:p>
+            <a:r>
+              <a:rPr lang="en-US" dirty="0"/>
+              <a:t>Play with geometry to generate new insights</a:t>
+            </a:r>
+          </a:p>
+          <a:p>
+            <a:r>
+              <a:rPr lang="en-US" dirty="0"/>
+              <a:t>Try to unearth and  revisit each design assumption</a:t>
+            </a:r>
+          </a:p>
+          <a:p>
+            <a:r>
+              <a:rPr lang="en-US" dirty="0"/>
+              <a:t>Remember physics and social context: know your constraints</a:t>
+            </a:r>
+          </a:p>
+          <a:p>
+            <a:endParaRPr lang="en-US" dirty="0"/>
+          </a:p>
+        </p:txBody>
+      </p:sp>
+    </p:spTree>
+  </p:cSld>
+  <p:clrMapOvr>
+    <a:masterClrMapping/>
+  </p:clrMapOvr>
+  <p:transition>
+    <p:fade/>
+  </p:transition>
+</p:sld>
+</file>
+
 <file path=ppt/slides/slide19.xml><?xml version="1.0" encoding="utf-8"?>
 <p:sld xmlns:a="http://schemas.openxmlformats.org/drawingml/2006/main" xmlns:r="http://schemas.openxmlformats.org/officeDocument/2006/relationships" xmlns:p="http://schemas.openxmlformats.org/presentationml/2006/main">
   <p:cSld>
@@ -6646,7 +6430,7 @@
           <a:p>
             <a:r>
               <a:rPr lang="en-US" dirty="0"/>
-              <a:t>Innovation</a:t>
+              <a:t>Frugal and Generous</a:t>
             </a:r>
           </a:p>
         </p:txBody>
@@ -6666,41 +6450,111 @@
           <a:bodyPr/>
           <a:lstStyle/>
           <a:p>
-            <a:r>
-              <a:rPr lang="en-US" dirty="0"/>
-              <a:t>Ask what if we…</a:t>
-            </a:r>
-          </a:p>
-          <a:p>
-            <a:r>
-              <a:rPr lang="en-US" dirty="0"/>
-              <a:t>Requires a willingness to make mistakes</a:t>
-            </a:r>
-          </a:p>
-          <a:p>
-            <a:r>
-              <a:rPr lang="en-US" dirty="0"/>
-              <a:t>Play with geometry to generate new insights</a:t>
-            </a:r>
-          </a:p>
-          <a:p>
-            <a:r>
-              <a:rPr lang="en-US" dirty="0"/>
-              <a:t>Try to unearth and  revisit each design assumption</a:t>
-            </a:r>
-          </a:p>
-          <a:p>
-            <a:r>
-              <a:rPr lang="en-US" dirty="0"/>
-              <a:t>Remember physics and social context: know your constraints</a:t>
-            </a:r>
-          </a:p>
-          <a:p>
+            <a:pPr marL="0" indent="0">
+              <a:buNone/>
+            </a:pPr>
+            <a:r>
+              <a:rPr lang="en-US" dirty="0"/>
+              <a:t>If we are going to make the world a better place we will need to be frugal and generous</a:t>
+            </a:r>
+          </a:p>
+          <a:p>
+            <a:pPr marL="0" indent="0">
+              <a:buNone/>
+            </a:pPr>
             <a:endParaRPr lang="en-US" dirty="0"/>
           </a:p>
-        </p:txBody>
-      </p:sp>
+          <a:p>
+            <a:pPr marL="0" indent="0">
+              <a:buNone/>
+            </a:pPr>
+            <a:r>
+              <a:rPr lang="en-US" sz="2400" dirty="0"/>
+              <a:t>Frugal: careful about spending money or using things when you do not need to : using money or supplies in a very careful way</a:t>
+            </a:r>
+          </a:p>
+          <a:p>
+            <a:pPr marL="0" indent="0">
+              <a:buNone/>
+            </a:pPr>
+            <a:r>
+              <a:rPr lang="en-US" sz="2400" dirty="0"/>
+              <a:t>Generous: freely giving or sharing money and other valuable things</a:t>
+            </a:r>
+          </a:p>
+          <a:p>
+            <a:pPr marL="0" indent="0">
+              <a:buNone/>
+            </a:pPr>
+            <a:r>
+              <a:rPr lang="en-US" sz="2400" dirty="0"/>
+              <a:t>: providing more than the amount that is needed or normal : abundant or ample</a:t>
+            </a:r>
+          </a:p>
+          <a:p>
+            <a:pPr marL="0" indent="0">
+              <a:buNone/>
+            </a:pPr>
+            <a:r>
+              <a:rPr lang="en-US" sz="2400" dirty="0"/>
+              <a:t>: showing kindness and concern for others</a:t>
+            </a:r>
+          </a:p>
+          <a:p>
+            <a:pPr marL="400050" lvl="1" indent="0">
+              <a:buNone/>
+            </a:pPr>
+            <a:endParaRPr lang="en-US" sz="2000" dirty="0"/>
+          </a:p>
+        </p:txBody>
+      </p:sp>
+      <p:pic>
+        <p:nvPicPr>
+          <p:cNvPr id="1026" name="Picture 2" descr="http://www.merriam-webster.com/styles/default/images/interface/mwol2010_mw_logo_header.gif"/>
+          <p:cNvPicPr>
+            <a:picLocks noChangeAspect="1" noChangeArrowheads="1"/>
+          </p:cNvPicPr>
+          <p:nvPr/>
+        </p:nvPicPr>
+        <p:blipFill>
+          <a:blip r:embed="rId2">
+            <a:extLst>
+              <a:ext uri="{28A0092B-C50C-407E-A947-70E740481C1C}">
+                <a14:useLocalDpi xmlns:a14="http://schemas.microsoft.com/office/drawing/2010/main" val="0"/>
+              </a:ext>
+            </a:extLst>
+          </a:blip>
+          <a:srcRect/>
+          <a:stretch>
+            <a:fillRect/>
+          </a:stretch>
+        </p:blipFill>
+        <p:spPr bwMode="auto">
+          <a:xfrm>
+            <a:off x="354132" y="2591007"/>
+            <a:ext cx="690563" cy="747714"/>
+          </a:xfrm>
+          <a:prstGeom prst="rect">
+            <a:avLst/>
+          </a:prstGeom>
+          <a:noFill/>
+          <a:extLst>
+            <a:ext uri="{909E8E84-426E-40DD-AFC4-6F175D3DCCD1}">
+              <a14:hiddenFill xmlns:a14="http://schemas.microsoft.com/office/drawing/2010/main">
+                <a:solidFill>
+                  <a:srgbClr val="FFFFFF"/>
+                </a:solidFill>
+              </a14:hiddenFill>
+            </a:ext>
+          </a:extLst>
+        </p:spPr>
+      </p:pic>
     </p:spTree>
+    <p:extLst>
+      <p:ext uri="{BB962C8B-B14F-4D97-AF65-F5344CB8AC3E}">
+        <p14:creationId xmlns:p14="http://schemas.microsoft.com/office/powerpoint/2010/main" val="3297057186"/>
+      </p:ext>
+    </p:extLst>
   </p:cSld>
   <p:clrMapOvr>
     <a:masterClrMapping/>
@@ -7069,7 +6923,7 @@
           <a:p>
             <a:r>
               <a:rPr lang="en-US" dirty="0"/>
-              <a:t>Frugal and Generous</a:t>
+              <a:t>The best designers…</a:t>
             </a:r>
           </a:p>
         </p:txBody>
@@ -7089,111 +6943,66 @@
           <a:bodyPr/>
           <a:lstStyle/>
           <a:p>
-            <a:pPr marL="0" indent="0">
-              <a:buNone/>
-            </a:pPr>
-            <a:r>
-              <a:rPr lang="en-US" dirty="0"/>
-              <a:t>If we are going to make the world a better place we will need to be frugal and generous</a:t>
-            </a:r>
-          </a:p>
-          <a:p>
-            <a:pPr marL="0" indent="0">
-              <a:buNone/>
-            </a:pPr>
+            <a:r>
+              <a:rPr lang="en-US" dirty="0"/>
+              <a:t>Explore how changes in design constraints affect the geometry (rotate, invert, make it square, make it round…)</a:t>
+            </a:r>
+          </a:p>
+          <a:p>
+            <a:r>
+              <a:rPr lang="en-US" dirty="0"/>
+              <a:t>Create multiple graphs or sketches showing relationships</a:t>
+            </a:r>
+          </a:p>
+          <a:p>
+            <a:pPr lvl="1"/>
+            <a:r>
+              <a:rPr lang="en-US" dirty="0"/>
+              <a:t>Text is NOT how you invent new ideas!</a:t>
+            </a:r>
+          </a:p>
+          <a:p>
+            <a:r>
+              <a:rPr lang="en-US" dirty="0"/>
+              <a:t>Don’t assume a constraint is set in stone</a:t>
+            </a:r>
+          </a:p>
+          <a:p>
+            <a:pPr lvl="1"/>
+            <a:r>
+              <a:rPr lang="en-US" dirty="0"/>
+              <a:t>Exploring options quickly – fail fast!</a:t>
+            </a:r>
+          </a:p>
+          <a:p>
+            <a:r>
+              <a:rPr lang="en-US" dirty="0"/>
+              <a:t>Ask “why is this hard” and then figure out a way to make it easier</a:t>
+            </a:r>
+          </a:p>
+          <a:p>
+            <a:r>
+              <a:rPr lang="en-US" dirty="0"/>
+              <a:t>Understand </a:t>
+            </a:r>
+            <a:r>
+              <a:rPr lang="en-US"/>
+              <a:t>failure modes</a:t>
+            </a:r>
             <a:endParaRPr lang="en-US" dirty="0"/>
           </a:p>
           <a:p>
-            <a:pPr marL="0" indent="0">
-              <a:buNone/>
-            </a:pPr>
-            <a:r>
-              <a:rPr lang="en-US" sz="2400" dirty="0"/>
-              <a:t>Frugal: careful about spending money or using things when you do not need to : using money or supplies in a very careful way</a:t>
-            </a:r>
-          </a:p>
-          <a:p>
-            <a:pPr marL="0" indent="0">
-              <a:buNone/>
-            </a:pPr>
-            <a:r>
-              <a:rPr lang="en-US" sz="2400" dirty="0"/>
-              <a:t>Generous: freely giving or sharing money and other valuable things</a:t>
-            </a:r>
-          </a:p>
-          <a:p>
-            <a:pPr marL="0" indent="0">
-              <a:buNone/>
-            </a:pPr>
-            <a:r>
-              <a:rPr lang="en-US" sz="2400" dirty="0"/>
-              <a:t>: providing more than the amount that is needed or normal : abundant or ample</a:t>
-            </a:r>
-          </a:p>
-          <a:p>
-            <a:pPr marL="0" indent="0">
-              <a:buNone/>
-            </a:pPr>
-            <a:r>
-              <a:rPr lang="en-US" sz="2400" dirty="0"/>
-              <a:t>: showing kindness and concern for others</a:t>
-            </a:r>
-          </a:p>
-          <a:p>
-            <a:pPr marL="400050" lvl="1" indent="0">
-              <a:buNone/>
-            </a:pPr>
-            <a:endParaRPr lang="en-US" sz="2000" dirty="0"/>
-          </a:p>
-        </p:txBody>
-      </p:sp>
-      <p:pic>
-        <p:nvPicPr>
-          <p:cNvPr id="1026" name="Picture 2" descr="http://www.merriam-webster.com/styles/default/images/interface/mwol2010_mw_logo_header.gif"/>
-          <p:cNvPicPr>
-            <a:picLocks noChangeAspect="1" noChangeArrowheads="1"/>
-          </p:cNvPicPr>
-          <p:nvPr/>
-        </p:nvPicPr>
-        <p:blipFill>
-          <a:blip r:embed="rId2">
-            <a:extLst>
-              <a:ext uri="{28A0092B-C50C-407E-A947-70E740481C1C}">
-                <a14:useLocalDpi xmlns:a14="http://schemas.microsoft.com/office/drawing/2010/main" val="0"/>
-              </a:ext>
-            </a:extLst>
-          </a:blip>
-          <a:srcRect/>
-          <a:stretch>
-            <a:fillRect/>
-          </a:stretch>
-        </p:blipFill>
-        <p:spPr bwMode="auto">
-          <a:xfrm>
-            <a:off x="354132" y="2591007"/>
-            <a:ext cx="690563" cy="747714"/>
-          </a:xfrm>
-          <a:prstGeom prst="rect">
-            <a:avLst/>
-          </a:prstGeom>
-          <a:noFill/>
-          <a:extLst>
-            <a:ext uri="{909E8E84-426E-40DD-AFC4-6F175D3DCCD1}">
-              <a14:hiddenFill xmlns:a14="http://schemas.microsoft.com/office/drawing/2010/main">
-                <a:solidFill>
-                  <a:srgbClr val="FFFFFF"/>
-                </a:solidFill>
-              </a14:hiddenFill>
-            </a:ext>
-          </a:extLst>
-        </p:spPr>
-      </p:pic>
+            <a:r>
+              <a:rPr lang="en-US" dirty="0"/>
+              <a:t>Reflection</a:t>
+            </a:r>
+          </a:p>
+          <a:p>
+            <a:endParaRPr lang="en-US" dirty="0"/>
+          </a:p>
+        </p:txBody>
+      </p:sp>
     </p:spTree>
-    <p:extLst>
-      <p:ext uri="{BB962C8B-B14F-4D97-AF65-F5344CB8AC3E}">
-        <p14:creationId xmlns:p14="http://schemas.microsoft.com/office/powerpoint/2010/main" val="3297057186"/>
-      </p:ext>
-    </p:extLst>
   </p:cSld>
   <p:clrMapOvr>
     <a:masterClrMapping/>
@@ -7238,7 +7047,7 @@
           <a:p>
             <a:r>
               <a:rPr lang="en-US" dirty="0"/>
-              <a:t>The best designers…</a:t>
+              <a:t>…create with geometry</a:t>
             </a:r>
           </a:p>
         </p:txBody>
@@ -7260,36 +7069,54 @@
           <a:p>
             <a:r>
               <a:rPr lang="en-US" dirty="0"/>
-              <a:t>Explore how changes in design constraints affect the geometry (rotate, invert, make it square, make it round…)</a:t>
-            </a:r>
-          </a:p>
-          <a:p>
-            <a:r>
-              <a:rPr lang="en-US" dirty="0"/>
-              <a:t>Create multiple graphs or sketches showing relationships</a:t>
+              <a:t>Play with geometry (stacked filters)</a:t>
+            </a:r>
+          </a:p>
+          <a:p>
+            <a:r>
+              <a:rPr lang="en-US" dirty="0"/>
+              <a:t>As scales change the optimal geometry can change radically (flocculators that switch from vertical to horizontal to pipes )</a:t>
+            </a:r>
+          </a:p>
+          <a:p>
+            <a:r>
+              <a:rPr lang="en-US" dirty="0"/>
+              <a:t>Ask what happens if we </a:t>
             </a:r>
           </a:p>
           <a:p>
             <a:pPr lvl="1"/>
             <a:r>
               <a:rPr lang="en-US" dirty="0"/>
-              <a:t>Text is NOT how you invent new ideas!</a:t>
-            </a:r>
-          </a:p>
-          <a:p>
-            <a:r>
-              <a:rPr lang="en-US" dirty="0"/>
-              <a:t>Don’t assume a constraint is set in stone</a:t>
+              <a:t>Turn this 90 degrees </a:t>
             </a:r>
           </a:p>
           <a:p>
             <a:pPr lvl="1"/>
             <a:r>
               <a:rPr lang="en-US" dirty="0"/>
-              <a:t>Exploring options quickly – fail fast!</a:t>
-            </a:r>
-          </a:p>
-          <a:p>
+              <a:t>Rotate this so it lines up with the plate settlers</a:t>
+            </a:r>
+          </a:p>
+          <a:p>
+            <a:pPr lvl="1"/>
+            <a:r>
+              <a:rPr lang="en-US" dirty="0"/>
+              <a:t>Try a different layout</a:t>
+            </a:r>
+          </a:p>
+          <a:p>
+            <a:r>
+              <a:rPr lang="en-US" dirty="0"/>
+              <a:t>Select the simple solutions</a:t>
+            </a:r>
+          </a:p>
+          <a:p>
+            <a:pPr lvl="1"/>
+            <a:endParaRPr lang="en-US" dirty="0"/>
+          </a:p>
+          <a:p>
+            <a:pPr lvl="1"/>
             <a:endParaRPr lang="en-US" dirty="0"/>
           </a:p>
         </p:txBody>
@@ -7339,7 +7166,7 @@
           <a:p>
             <a:r>
               <a:rPr lang="en-US" dirty="0"/>
-              <a:t>…create with geometry</a:t>
+              <a:t>…use tools</a:t>
             </a:r>
           </a:p>
         </p:txBody>
@@ -7361,55 +7188,22 @@
           <a:p>
             <a:r>
               <a:rPr lang="en-US" dirty="0"/>
-              <a:t>Play with geometry (stacked filters)</a:t>
-            </a:r>
-          </a:p>
-          <a:p>
-            <a:r>
-              <a:rPr lang="en-US" dirty="0"/>
-              <a:t>As scales change the optimal geometry can change radically (flocculators that switch from vertical to horizontal to pipes )</a:t>
-            </a:r>
-          </a:p>
-          <a:p>
-            <a:r>
-              <a:rPr lang="en-US" dirty="0"/>
-              <a:t>Ask what happens if we </a:t>
-            </a:r>
-          </a:p>
-          <a:p>
-            <a:pPr lvl="1"/>
-            <a:r>
-              <a:rPr lang="en-US" dirty="0"/>
-              <a:t>Turn this 90 degrees </a:t>
-            </a:r>
-          </a:p>
-          <a:p>
-            <a:pPr lvl="1"/>
-            <a:r>
-              <a:rPr lang="en-US" dirty="0"/>
-              <a:t>Rotate this so it lines up with the plate settlers</a:t>
-            </a:r>
-          </a:p>
-          <a:p>
-            <a:pPr lvl="1"/>
-            <a:r>
-              <a:rPr lang="en-US" dirty="0"/>
-              <a:t>Try a different layout</a:t>
-            </a:r>
-          </a:p>
-          <a:p>
-            <a:r>
-              <a:rPr lang="en-US" dirty="0"/>
-              <a:t>Select the simple solutions</a:t>
-            </a:r>
-          </a:p>
-          <a:p>
-            <a:pPr lvl="1"/>
-            <a:endParaRPr lang="en-US" dirty="0"/>
-          </a:p>
-          <a:p>
-            <a:pPr lvl="1"/>
-            <a:endParaRPr lang="en-US" dirty="0"/>
+              <a:t>Use the </a:t>
+            </a:r>
+            <a:r>
+              <a:rPr lang="en-US" dirty="0" err="1"/>
+              <a:t>aguaclara</a:t>
+            </a:r>
+            <a:r>
+              <a:rPr lang="en-US" dirty="0"/>
+              <a:t> code as needed. No need to recreate the code. </a:t>
+            </a:r>
+          </a:p>
+          <a:p>
+            <a:r>
+              <a:rPr lang="en-US" dirty="0"/>
+              <a:t>Investigate what others have done to solve similar problems</a:t>
+            </a:r>
           </a:p>
         </p:txBody>
       </p:sp>
@@ -7425,92 +7219,6 @@
 </file>
 
 <file path=ppt/slides/slide23.xml><?xml version="1.0" encoding="utf-8"?>
-<p:sld xmlns:a="http://schemas.openxmlformats.org/drawingml/2006/main" xmlns:r="http://schemas.openxmlformats.org/officeDocument/2006/relationships" xmlns:p="http://schemas.openxmlformats.org/presentationml/2006/main">
-  <p:cSld>
-    <p:spTree>
-      <p:nvGrpSpPr>
-        <p:cNvPr id="1" name=""/>
-        <p:cNvGrpSpPr/>
-        <p:nvPr/>
-      </p:nvGrpSpPr>
-      <p:grpSpPr>
-        <a:xfrm>
-          <a:off x="0" y="0"/>
-          <a:ext cx="0" cy="0"/>
-          <a:chOff x="0" y="0"/>
-          <a:chExt cx="0" cy="0"/>
-        </a:xfrm>
-      </p:grpSpPr>
-      <p:sp>
-        <p:nvSpPr>
-          <p:cNvPr id="2" name="Title 1"/>
-          <p:cNvSpPr>
-            <a:spLocks noGrp="1"/>
-          </p:cNvSpPr>
-          <p:nvPr>
-            <p:ph type="title"/>
-          </p:nvPr>
-        </p:nvSpPr>
-        <p:spPr/>
-        <p:txBody>
-          <a:bodyPr/>
-          <a:lstStyle/>
-          <a:p>
-            <a:r>
-              <a:rPr lang="en-US" dirty="0"/>
-              <a:t>…use tools</a:t>
-            </a:r>
-          </a:p>
-        </p:txBody>
-      </p:sp>
-      <p:sp>
-        <p:nvSpPr>
-          <p:cNvPr id="3" name="Content Placeholder 2"/>
-          <p:cNvSpPr>
-            <a:spLocks noGrp="1"/>
-          </p:cNvSpPr>
-          <p:nvPr>
-            <p:ph idx="1"/>
-          </p:nvPr>
-        </p:nvSpPr>
-        <p:spPr/>
-        <p:txBody>
-          <a:bodyPr/>
-          <a:lstStyle/>
-          <a:p>
-            <a:r>
-              <a:rPr lang="en-US" dirty="0"/>
-              <a:t>Use the </a:t>
-            </a:r>
-            <a:r>
-              <a:rPr lang="en-US" dirty="0" err="1"/>
-              <a:t>aguaclara</a:t>
-            </a:r>
-            <a:r>
-              <a:rPr lang="en-US" dirty="0"/>
-              <a:t> code as needed. No need to recreate the code. </a:t>
-            </a:r>
-          </a:p>
-          <a:p>
-            <a:r>
-              <a:rPr lang="en-US" dirty="0"/>
-              <a:t>Investigate what others have done to solve similar problems</a:t>
-            </a:r>
-          </a:p>
-        </p:txBody>
-      </p:sp>
-    </p:spTree>
-  </p:cSld>
-  <p:clrMapOvr>
-    <a:masterClrMapping/>
-  </p:clrMapOvr>
-  <p:transition>
-    <p:fade/>
-  </p:transition>
-</p:sld>
-</file>
-
-<file path=ppt/slides/slide24.xml><?xml version="1.0" encoding="utf-8"?>
 <p:sld xmlns:a="http://schemas.openxmlformats.org/drawingml/2006/main" xmlns:r="http://schemas.openxmlformats.org/officeDocument/2006/relationships" xmlns:p="http://schemas.openxmlformats.org/presentationml/2006/main">
   <p:cSld>
     <p:spTree>
